--- a/docs/plan.pptx
+++ b/docs/plan.pptx
@@ -4631,14 +4631,14 @@
           <p:nvPr>
             <p:extLst>
               <p:ext uri="{D42A27DB-BD31-4B8C-83A1-F6EECF244321}">
-                <p14:modId xmlns:p14="http://schemas.microsoft.com/office/powerpoint/2010/main" val="3440992023"/>
+                <p14:modId xmlns:p14="http://schemas.microsoft.com/office/powerpoint/2010/main" val="3972083902"/>
               </p:ext>
             </p:extLst>
           </p:nvPr>
         </p:nvGraphicFramePr>
         <p:xfrm>
-          <a:off x="626568" y="541889"/>
-          <a:ext cx="1596240" cy="1950132"/>
+          <a:off x="400692" y="541889"/>
+          <a:ext cx="1822116" cy="5515410"/>
         </p:xfrm>
         <a:graphic>
           <a:graphicData uri="http://schemas.openxmlformats.org/drawingml/2006/table">
@@ -4647,7 +4647,7 @@
                 <a:tableStyleId>{69012ECD-51FC-41F1-AA8D-1B2483CD663E}</a:tableStyleId>
               </a:tblPr>
               <a:tblGrid>
-                <a:gridCol w="1596240">
+                <a:gridCol w="1822116">
                   <a:extLst>
                     <a:ext uri="{9D8B030D-6E8A-4147-A177-3AD203B41FA5}">
                       <a16:colId xmlns:a16="http://schemas.microsoft.com/office/drawing/2014/main" val="3507364006"/>
@@ -4664,7 +4664,7 @@
                       <a:pPr algn="ctr"/>
                       <a:r>
                         <a:rPr lang="en-US" dirty="0"/>
-                        <a:t>user</a:t>
+                        <a:t>customer</a:t>
                       </a:r>
                     </a:p>
                   </a:txBody>
@@ -4727,7 +4727,7 @@
                       <a:pPr algn="ctr"/>
                       <a:r>
                         <a:rPr lang="en-US" dirty="0"/>
-                        <a:t>detail: str</a:t>
+                        <a:t>phone: str</a:t>
                       </a:r>
                     </a:p>
                   </a:txBody>
@@ -4739,6 +4739,179 @@
                   </a:ext>
                 </a:extLst>
               </a:tr>
+              <a:tr h="487533">
+                <a:tc>
+                  <a:txBody>
+                    <a:bodyPr/>
+                    <a:lstStyle/>
+                    <a:p>
+                      <a:pPr algn="ctr"/>
+                      <a:r>
+                        <a:rPr lang="en-US" dirty="0"/>
+                        <a:t>Email: str</a:t>
+                      </a:r>
+                    </a:p>
+                  </a:txBody>
+                  <a:tcPr anchor="ctr"/>
+                </a:tc>
+                <a:extLst>
+                  <a:ext uri="{0D108BD9-81ED-4DB2-BD59-A6C34878D82A}">
+                    <a16:rowId xmlns:a16="http://schemas.microsoft.com/office/drawing/2014/main" val="2897874361"/>
+                  </a:ext>
+                </a:extLst>
+              </a:tr>
+              <a:tr h="487533">
+                <a:tc>
+                  <a:txBody>
+                    <a:bodyPr/>
+                    <a:lstStyle/>
+                    <a:p>
+                      <a:pPr algn="ctr"/>
+                      <a:r>
+                        <a:rPr lang="en-US" dirty="0"/>
+                        <a:t>Address: str</a:t>
+                      </a:r>
+                    </a:p>
+                  </a:txBody>
+                  <a:tcPr anchor="ctr"/>
+                </a:tc>
+                <a:extLst>
+                  <a:ext uri="{0D108BD9-81ED-4DB2-BD59-A6C34878D82A}">
+                    <a16:rowId xmlns:a16="http://schemas.microsoft.com/office/drawing/2014/main" val="4271646903"/>
+                  </a:ext>
+                </a:extLst>
+              </a:tr>
+              <a:tr h="487533">
+                <a:tc>
+                  <a:txBody>
+                    <a:bodyPr/>
+                    <a:lstStyle/>
+                    <a:p>
+                      <a:pPr algn="ctr"/>
+                      <a:r>
+                        <a:rPr lang="en-US" dirty="0"/>
+                        <a:t>Balance: </a:t>
+                      </a:r>
+                    </a:p>
+                  </a:txBody>
+                  <a:tcPr anchor="ctr"/>
+                </a:tc>
+                <a:extLst>
+                  <a:ext uri="{0D108BD9-81ED-4DB2-BD59-A6C34878D82A}">
+                    <a16:rowId xmlns:a16="http://schemas.microsoft.com/office/drawing/2014/main" val="927082886"/>
+                  </a:ext>
+                </a:extLst>
+              </a:tr>
+              <a:tr h="487533">
+                <a:tc>
+                  <a:txBody>
+                    <a:bodyPr/>
+                    <a:lstStyle/>
+                    <a:p>
+                      <a:pPr marL="0" marR="0" lvl="0" indent="0" algn="ctr" defTabSz="914400" rtl="0" eaLnBrk="1" fontAlgn="auto" latinLnBrk="0" hangingPunct="1">
+                        <a:lnSpc>
+                          <a:spcPct val="100000"/>
+                        </a:lnSpc>
+                        <a:spcBef>
+                          <a:spcPts val="0"/>
+                        </a:spcBef>
+                        <a:spcAft>
+                          <a:spcPts val="0"/>
+                        </a:spcAft>
+                        <a:buClrTx/>
+                        <a:buSzTx/>
+                        <a:buFontTx/>
+                        <a:buNone/>
+                        <a:tabLst/>
+                        <a:defRPr/>
+                      </a:pPr>
+                      <a:r>
+                        <a:rPr lang="en-US" dirty="0"/>
+                        <a:t>location: </a:t>
+                      </a:r>
+                      <a:r>
+                        <a:rPr lang="en-US" dirty="0" err="1"/>
+                        <a:t>enum</a:t>
+                      </a:r>
+                      <a:endParaRPr lang="en-US" dirty="0"/>
+                    </a:p>
+                  </a:txBody>
+                  <a:tcPr anchor="ctr"/>
+                </a:tc>
+                <a:extLst>
+                  <a:ext uri="{0D108BD9-81ED-4DB2-BD59-A6C34878D82A}">
+                    <a16:rowId xmlns:a16="http://schemas.microsoft.com/office/drawing/2014/main" val="3452792821"/>
+                  </a:ext>
+                </a:extLst>
+              </a:tr>
+              <a:tr h="487533">
+                <a:tc>
+                  <a:txBody>
+                    <a:bodyPr/>
+                    <a:lstStyle/>
+                    <a:p>
+                      <a:pPr algn="ctr"/>
+                      <a:r>
+                        <a:rPr lang="en-US" dirty="0"/>
+                        <a:t>Membership: bool</a:t>
+                      </a:r>
+                    </a:p>
+                  </a:txBody>
+                  <a:tcPr anchor="ctr"/>
+                </a:tc>
+                <a:extLst>
+                  <a:ext uri="{0D108BD9-81ED-4DB2-BD59-A6C34878D82A}">
+                    <a16:rowId xmlns:a16="http://schemas.microsoft.com/office/drawing/2014/main" val="280117486"/>
+                  </a:ext>
+                </a:extLst>
+              </a:tr>
+              <a:tr h="487533">
+                <a:tc>
+                  <a:txBody>
+                    <a:bodyPr/>
+                    <a:lstStyle/>
+                    <a:p>
+                      <a:pPr algn="ctr"/>
+                      <a:r>
+                        <a:rPr lang="en-US" dirty="0"/>
+                        <a:t>Category: </a:t>
+                      </a:r>
+                      <a:r>
+                        <a:rPr lang="en-US" dirty="0" err="1"/>
+                        <a:t>enum</a:t>
+                      </a:r>
+                      <a:endParaRPr lang="en-US" dirty="0"/>
+                    </a:p>
+                  </a:txBody>
+                  <a:tcPr anchor="ctr"/>
+                </a:tc>
+                <a:extLst>
+                  <a:ext uri="{0D108BD9-81ED-4DB2-BD59-A6C34878D82A}">
+                    <a16:rowId xmlns:a16="http://schemas.microsoft.com/office/drawing/2014/main" val="3500357580"/>
+                  </a:ext>
+                </a:extLst>
+              </a:tr>
+              <a:tr h="487533">
+                <a:tc>
+                  <a:txBody>
+                    <a:bodyPr/>
+                    <a:lstStyle/>
+                    <a:p>
+                      <a:pPr algn="ctr"/>
+                      <a:r>
+                        <a:rPr lang="en-US" dirty="0"/>
+                        <a:t>…</a:t>
+                      </a:r>
+                    </a:p>
+                  </a:txBody>
+                  <a:tcPr anchor="ctr"/>
+                </a:tc>
+                <a:extLst>
+                  <a:ext uri="{0D108BD9-81ED-4DB2-BD59-A6C34878D82A}">
+                    <a16:rowId xmlns:a16="http://schemas.microsoft.com/office/drawing/2014/main" val="598259670"/>
+                  </a:ext>
+                </a:extLst>
+              </a:tr>
             </a:tbl>
           </a:graphicData>
         </a:graphic>
@@ -4758,14 +4931,370 @@
           <p:nvPr>
             <p:extLst>
               <p:ext uri="{D42A27DB-BD31-4B8C-83A1-F6EECF244321}">
-                <p14:modId xmlns:p14="http://schemas.microsoft.com/office/powerpoint/2010/main" val="1979468291"/>
+                <p14:modId xmlns:p14="http://schemas.microsoft.com/office/powerpoint/2010/main" val="62211166"/>
               </p:ext>
             </p:extLst>
           </p:nvPr>
         </p:nvGraphicFramePr>
         <p:xfrm>
           <a:off x="3081289" y="541889"/>
-          <a:ext cx="1724886" cy="3737968"/>
+          <a:ext cx="1724886" cy="4083636"/>
+        </p:xfrm>
+        <a:graphic>
+          <a:graphicData uri="http://schemas.openxmlformats.org/drawingml/2006/table">
+            <a:tbl>
+              <a:tblPr firstRow="1" bandRow="1">
+                <a:tableStyleId>{69012ECD-51FC-41F1-AA8D-1B2483CD663E}</a:tableStyleId>
+              </a:tblPr>
+              <a:tblGrid>
+                <a:gridCol w="1724886">
+                  <a:extLst>
+                    <a:ext uri="{9D8B030D-6E8A-4147-A177-3AD203B41FA5}">
+                      <a16:colId xmlns:a16="http://schemas.microsoft.com/office/drawing/2014/main" val="3507364006"/>
+                    </a:ext>
+                  </a:extLst>
+                </a:gridCol>
+              </a:tblGrid>
+              <a:tr h="467246">
+                <a:tc>
+                  <a:txBody>
+                    <a:bodyPr/>
+                    <a:lstStyle/>
+                    <a:p>
+                      <a:pPr algn="ctr"/>
+                      <a:r>
+                        <a:rPr lang="en-US" dirty="0"/>
+                        <a:t>sales</a:t>
+                      </a:r>
+                    </a:p>
+                  </a:txBody>
+                  <a:tcPr anchor="ctr"/>
+                </a:tc>
+                <a:extLst>
+                  <a:ext uri="{0D108BD9-81ED-4DB2-BD59-A6C34878D82A}">
+                    <a16:rowId xmlns:a16="http://schemas.microsoft.com/office/drawing/2014/main" val="936302315"/>
+                  </a:ext>
+                </a:extLst>
+              </a:tr>
+              <a:tr h="467246">
+                <a:tc>
+                  <a:txBody>
+                    <a:bodyPr/>
+                    <a:lstStyle/>
+                    <a:p>
+                      <a:pPr algn="ctr"/>
+                      <a:r>
+                        <a:rPr lang="en-US" dirty="0"/>
+                        <a:t>id: int</a:t>
+                      </a:r>
+                    </a:p>
+                  </a:txBody>
+                  <a:tcPr anchor="ctr"/>
+                </a:tc>
+                <a:extLst>
+                  <a:ext uri="{0D108BD9-81ED-4DB2-BD59-A6C34878D82A}">
+                    <a16:rowId xmlns:a16="http://schemas.microsoft.com/office/drawing/2014/main" val="226398911"/>
+                  </a:ext>
+                </a:extLst>
+              </a:tr>
+              <a:tr h="467246">
+                <a:tc>
+                  <a:txBody>
+                    <a:bodyPr/>
+                    <a:lstStyle/>
+                    <a:p>
+                      <a:pPr algn="ctr"/>
+                      <a:r>
+                        <a:rPr lang="en-US" dirty="0" err="1"/>
+                        <a:t>cid</a:t>
+                      </a:r>
+                      <a:r>
+                        <a:rPr lang="en-US" dirty="0"/>
+                        <a:t>: int</a:t>
+                      </a:r>
+                    </a:p>
+                  </a:txBody>
+                  <a:tcPr anchor="ctr"/>
+                </a:tc>
+                <a:extLst>
+                  <a:ext uri="{0D108BD9-81ED-4DB2-BD59-A6C34878D82A}">
+                    <a16:rowId xmlns:a16="http://schemas.microsoft.com/office/drawing/2014/main" val="1247926334"/>
+                  </a:ext>
+                </a:extLst>
+              </a:tr>
+              <a:tr h="467246">
+                <a:tc>
+                  <a:txBody>
+                    <a:bodyPr/>
+                    <a:lstStyle/>
+                    <a:p>
+                      <a:pPr algn="ctr"/>
+                      <a:r>
+                        <a:rPr lang="en-US" dirty="0"/>
+                        <a:t>time: str</a:t>
+                      </a:r>
+                    </a:p>
+                  </a:txBody>
+                  <a:tcPr anchor="ctr"/>
+                </a:tc>
+                <a:extLst>
+                  <a:ext uri="{0D108BD9-81ED-4DB2-BD59-A6C34878D82A}">
+                    <a16:rowId xmlns:a16="http://schemas.microsoft.com/office/drawing/2014/main" val="3965364580"/>
+                  </a:ext>
+                </a:extLst>
+              </a:tr>
+              <a:tr h="467246">
+                <a:tc>
+                  <a:txBody>
+                    <a:bodyPr/>
+                    <a:lstStyle/>
+                    <a:p>
+                      <a:pPr algn="ctr"/>
+                      <a:r>
+                        <a:rPr lang="en-US" dirty="0">
+                          <a:solidFill>
+                            <a:srgbClr val="FF0000"/>
+                          </a:solidFill>
+                        </a:rPr>
+                        <a:t>Products: list(</a:t>
+                      </a:r>
+                      <a:r>
+                        <a:rPr lang="en-US" dirty="0" err="1">
+                          <a:solidFill>
+                            <a:srgbClr val="FF0000"/>
+                          </a:solidFill>
+                        </a:rPr>
+                        <a:t>dict</a:t>
+                      </a:r>
+                      <a:r>
+                        <a:rPr lang="en-US" dirty="0">
+                          <a:solidFill>
+                            <a:srgbClr val="FF0000"/>
+                          </a:solidFill>
+                        </a:rPr>
+                        <a:t>)</a:t>
+                      </a:r>
+                    </a:p>
+                  </a:txBody>
+                  <a:tcPr anchor="ctr"/>
+                </a:tc>
+                <a:extLst>
+                  <a:ext uri="{0D108BD9-81ED-4DB2-BD59-A6C34878D82A}">
+                    <a16:rowId xmlns:a16="http://schemas.microsoft.com/office/drawing/2014/main" val="505019232"/>
+                  </a:ext>
+                </a:extLst>
+              </a:tr>
+              <a:tr h="467246">
+                <a:tc>
+                  <a:txBody>
+                    <a:bodyPr/>
+                    <a:lstStyle/>
+                    <a:p>
+                      <a:pPr algn="ctr"/>
+                      <a:r>
+                        <a:rPr lang="en-US" dirty="0"/>
+                        <a:t>Status: </a:t>
+                      </a:r>
+                      <a:r>
+                        <a:rPr lang="en-US" dirty="0" err="1"/>
+                        <a:t>enum</a:t>
+                      </a:r>
+                      <a:endParaRPr lang="en-US" dirty="0"/>
+                    </a:p>
+                  </a:txBody>
+                  <a:tcPr anchor="ctr"/>
+                </a:tc>
+                <a:extLst>
+                  <a:ext uri="{0D108BD9-81ED-4DB2-BD59-A6C34878D82A}">
+                    <a16:rowId xmlns:a16="http://schemas.microsoft.com/office/drawing/2014/main" val="4282684342"/>
+                  </a:ext>
+                </a:extLst>
+              </a:tr>
+              <a:tr h="467246">
+                <a:tc>
+                  <a:txBody>
+                    <a:bodyPr/>
+                    <a:lstStyle/>
+                    <a:p>
+                      <a:pPr algn="ctr"/>
+                      <a:r>
+                        <a:rPr lang="en-US" dirty="0" err="1"/>
+                        <a:t>Pay_method</a:t>
+                      </a:r>
+                      <a:r>
+                        <a:rPr lang="en-US" dirty="0"/>
+                        <a:t>: </a:t>
+                      </a:r>
+                      <a:r>
+                        <a:rPr lang="en-US" dirty="0" err="1"/>
+                        <a:t>enum</a:t>
+                      </a:r>
+                      <a:endParaRPr lang="en-US" dirty="0"/>
+                    </a:p>
+                  </a:txBody>
+                  <a:tcPr anchor="ctr"/>
+                </a:tc>
+                <a:extLst>
+                  <a:ext uri="{0D108BD9-81ED-4DB2-BD59-A6C34878D82A}">
+                    <a16:rowId xmlns:a16="http://schemas.microsoft.com/office/drawing/2014/main" val="446617752"/>
+                  </a:ext>
+                </a:extLst>
+              </a:tr>
+              <a:tr h="467246">
+                <a:tc>
+                  <a:txBody>
+                    <a:bodyPr/>
+                    <a:lstStyle/>
+                    <a:p>
+                      <a:pPr algn="ctr"/>
+                      <a:endParaRPr lang="en-US" dirty="0"/>
+                    </a:p>
+                  </a:txBody>
+                  <a:tcPr anchor="ctr"/>
+                </a:tc>
+                <a:extLst>
+                  <a:ext uri="{0D108BD9-81ED-4DB2-BD59-A6C34878D82A}">
+                    <a16:rowId xmlns:a16="http://schemas.microsoft.com/office/drawing/2014/main" val="3047220543"/>
+                  </a:ext>
+                </a:extLst>
+              </a:tr>
+            </a:tbl>
+          </a:graphicData>
+        </a:graphic>
+      </p:graphicFrame>
+      <p:cxnSp>
+        <p:nvCxnSpPr>
+          <p:cNvPr id="8" name="Elbow Connector 7">
+            <a:extLst>
+              <a:ext uri="{FF2B5EF4-FFF2-40B4-BE49-F238E27FC236}">
+                <a16:creationId xmlns:a16="http://schemas.microsoft.com/office/drawing/2014/main" id="{511503EA-33A9-F044-B3C6-32DC90C9F0F7}"/>
+              </a:ext>
+            </a:extLst>
+          </p:cNvPr>
+          <p:cNvCxnSpPr>
+            <a:cxnSpLocks/>
+          </p:cNvCxnSpPr>
+          <p:nvPr/>
+        </p:nvCxnSpPr>
+        <p:spPr>
+          <a:xfrm rot="10800000">
+            <a:off x="2222809" y="1230887"/>
+            <a:ext cx="858480" cy="497552"/>
+          </a:xfrm>
+          <a:prstGeom prst="bentConnector3">
+            <a:avLst>
+              <a:gd name="adj1" fmla="val 50000"/>
+            </a:avLst>
+          </a:prstGeom>
+        </p:spPr>
+        <p:style>
+          <a:lnRef idx="3">
+            <a:schemeClr val="dk1"/>
+          </a:lnRef>
+          <a:fillRef idx="0">
+            <a:schemeClr val="dk1"/>
+          </a:fillRef>
+          <a:effectRef idx="2">
+            <a:schemeClr val="dk1"/>
+          </a:effectRef>
+          <a:fontRef idx="minor">
+            <a:schemeClr val="tx1"/>
+          </a:fontRef>
+        </p:style>
+      </p:cxnSp>
+      <p:sp>
+        <p:nvSpPr>
+          <p:cNvPr id="12" name="TextBox 11">
+            <a:extLst>
+              <a:ext uri="{FF2B5EF4-FFF2-40B4-BE49-F238E27FC236}">
+                <a16:creationId xmlns:a16="http://schemas.microsoft.com/office/drawing/2014/main" id="{F1233E42-4F68-B64E-B1B3-3A7ABF70D1D4}"/>
+              </a:ext>
+            </a:extLst>
+          </p:cNvPr>
+          <p:cNvSpPr txBox="1"/>
+          <p:nvPr/>
+        </p:nvSpPr>
+        <p:spPr>
+          <a:xfrm>
+            <a:off x="2207945" y="892098"/>
+            <a:ext cx="479618" cy="369332"/>
+          </a:xfrm>
+          <a:prstGeom prst="rect">
+            <a:avLst/>
+          </a:prstGeom>
+          <a:noFill/>
+        </p:spPr>
+        <p:txBody>
+          <a:bodyPr wrap="none" rtlCol="0">
+            <a:spAutoFit/>
+          </a:bodyPr>
+          <a:lstStyle/>
+          <a:p>
+            <a:r>
+              <a:rPr lang="en-US" dirty="0"/>
+              <a:t>1:*</a:t>
+            </a:r>
+          </a:p>
+        </p:txBody>
+      </p:sp>
+      <p:sp>
+        <p:nvSpPr>
+          <p:cNvPr id="2" name="TextBox 1">
+            <a:extLst>
+              <a:ext uri="{FF2B5EF4-FFF2-40B4-BE49-F238E27FC236}">
+                <a16:creationId xmlns:a16="http://schemas.microsoft.com/office/drawing/2014/main" id="{F61DE7AC-B032-73C3-3749-0791FECA3884}"/>
+              </a:ext>
+            </a:extLst>
+          </p:cNvPr>
+          <p:cNvSpPr txBox="1"/>
+          <p:nvPr/>
+        </p:nvSpPr>
+        <p:spPr>
+          <a:xfrm>
+            <a:off x="71919" y="71920"/>
+            <a:ext cx="982961" cy="369332"/>
+          </a:xfrm>
+          <a:prstGeom prst="rect">
+            <a:avLst/>
+          </a:prstGeom>
+          <a:noFill/>
+        </p:spPr>
+        <p:txBody>
+          <a:bodyPr wrap="none" rtlCol="0">
+            <a:spAutoFit/>
+          </a:bodyPr>
+          <a:lstStyle/>
+          <a:p>
+            <a:r>
+              <a:rPr lang="en-US" dirty="0"/>
+              <a:t>Schema:</a:t>
+            </a:r>
+          </a:p>
+        </p:txBody>
+      </p:sp>
+      <p:graphicFrame>
+        <p:nvGraphicFramePr>
+          <p:cNvPr id="3" name="Table 2">
+            <a:extLst>
+              <a:ext uri="{FF2B5EF4-FFF2-40B4-BE49-F238E27FC236}">
+                <a16:creationId xmlns:a16="http://schemas.microsoft.com/office/drawing/2014/main" id="{E8EDDF8B-ED7E-DDBE-3E9B-1A84DD0F066C}"/>
+              </a:ext>
+            </a:extLst>
+          </p:cNvPr>
+          <p:cNvGraphicFramePr>
+            <a:graphicFrameLocks noGrp="1"/>
+          </p:cNvGraphicFramePr>
+          <p:nvPr>
+            <p:extLst>
+              <p:ext uri="{D42A27DB-BD31-4B8C-83A1-F6EECF244321}">
+                <p14:modId xmlns:p14="http://schemas.microsoft.com/office/powerpoint/2010/main" val="2075731509"/>
+              </p:ext>
+            </p:extLst>
+          </p:nvPr>
+        </p:nvGraphicFramePr>
+        <p:xfrm>
+          <a:off x="5422085" y="541889"/>
+          <a:ext cx="1724886" cy="2803476"/>
         </p:xfrm>
         <a:graphic>
           <a:graphicData uri="http://schemas.openxmlformats.org/drawingml/2006/table">
@@ -4832,12 +5361,8 @@
                     <a:p>
                       <a:pPr algn="ctr"/>
                       <a:r>
-                        <a:rPr lang="en-US" dirty="0" err="1"/>
-                        <a:t>user_id</a:t>
-                      </a:r>
-                      <a:r>
                         <a:rPr lang="en-US" dirty="0"/>
-                        <a:t>: int</a:t>
+                        <a:t>description: str</a:t>
                       </a:r>
                     </a:p>
                   </a:txBody>
@@ -4858,7 +5383,7 @@
                       <a:pPr algn="ctr"/>
                       <a:r>
                         <a:rPr lang="en-US" dirty="0"/>
-                        <a:t>name: str</a:t>
+                        <a:t>media: image</a:t>
                       </a:r>
                     </a:p>
                   </a:txBody>
@@ -4877,10 +5402,7 @@
                     <a:lstStyle/>
                     <a:p>
                       <a:pPr algn="ctr"/>
-                      <a:r>
-                        <a:rPr lang="en-US" dirty="0"/>
-                        <a:t>URL: str</a:t>
-                      </a:r>
+                      <a:endParaRPr lang="en-US" dirty="0"/>
                     </a:p>
                   </a:txBody>
                   <a:tcPr anchor="ctr"/>
@@ -4898,10 +5420,7 @@
                     <a:lstStyle/>
                     <a:p>
                       <a:pPr algn="ctr"/>
-                      <a:r>
-                        <a:rPr lang="en-US" dirty="0"/>
-                        <a:t>price: float</a:t>
-                      </a:r>
+                      <a:endParaRPr lang="en-US" dirty="0"/>
                     </a:p>
                   </a:txBody>
                   <a:tcPr anchor="ctr"/>
@@ -4912,331 +5431,217 @@
                   </a:ext>
                 </a:extLst>
               </a:tr>
-              <a:tr h="467246">
-                <a:tc>
-                  <a:txBody>
-                    <a:bodyPr/>
-                    <a:lstStyle/>
-                    <a:p>
-                      <a:pPr algn="ctr"/>
-                      <a:r>
-                        <a:rPr lang="en-US" dirty="0"/>
-                        <a:t>description: str</a:t>
-                      </a:r>
-                    </a:p>
-                  </a:txBody>
-                  <a:tcPr anchor="ctr"/>
-                </a:tc>
-                <a:extLst>
-                  <a:ext uri="{0D108BD9-81ED-4DB2-BD59-A6C34878D82A}">
-                    <a16:rowId xmlns:a16="http://schemas.microsoft.com/office/drawing/2014/main" val="446617752"/>
-                  </a:ext>
-                </a:extLst>
-              </a:tr>
-              <a:tr h="467246">
-                <a:tc>
-                  <a:txBody>
-                    <a:bodyPr/>
-                    <a:lstStyle/>
-                    <a:p>
-                      <a:pPr algn="ctr"/>
-                      <a:r>
-                        <a:rPr lang="en-US" dirty="0"/>
-                        <a:t>media: image</a:t>
-                      </a:r>
-                    </a:p>
-                  </a:txBody>
-                  <a:tcPr anchor="ctr"/>
-                </a:tc>
-                <a:extLst>
-                  <a:ext uri="{0D108BD9-81ED-4DB2-BD59-A6C34878D82A}">
-                    <a16:rowId xmlns:a16="http://schemas.microsoft.com/office/drawing/2014/main" val="3047220543"/>
-                  </a:ext>
-                </a:extLst>
-              </a:tr>
             </a:tbl>
           </a:graphicData>
         </a:graphic>
       </p:graphicFrame>
-      <p:graphicFrame>
-        <p:nvGraphicFramePr>
-          <p:cNvPr id="6" name="Table 5">
-            <a:extLst>
-              <a:ext uri="{FF2B5EF4-FFF2-40B4-BE49-F238E27FC236}">
-                <a16:creationId xmlns:a16="http://schemas.microsoft.com/office/drawing/2014/main" id="{ABF8D1E7-D665-BC4C-988A-B2BF40B84102}"/>
-              </a:ext>
-            </a:extLst>
-          </p:cNvPr>
-          <p:cNvGraphicFramePr>
-            <a:graphicFrameLocks noGrp="1"/>
-          </p:cNvGraphicFramePr>
-          <p:nvPr>
-            <p:extLst>
-              <p:ext uri="{D42A27DB-BD31-4B8C-83A1-F6EECF244321}">
-                <p14:modId xmlns:p14="http://schemas.microsoft.com/office/powerpoint/2010/main" val="2405198572"/>
-              </p:ext>
-            </p:extLst>
-          </p:nvPr>
-        </p:nvGraphicFramePr>
-        <p:xfrm>
-          <a:off x="5670302" y="541889"/>
-          <a:ext cx="2470090" cy="4207698"/>
-        </p:xfrm>
-        <a:graphic>
-          <a:graphicData uri="http://schemas.openxmlformats.org/drawingml/2006/table">
-            <a:tbl>
-              <a:tblPr firstRow="1" bandRow="1">
-                <a:tableStyleId>{69012ECD-51FC-41F1-AA8D-1B2483CD663E}</a:tableStyleId>
-              </a:tblPr>
-              <a:tblGrid>
-                <a:gridCol w="2470090">
-                  <a:extLst>
-                    <a:ext uri="{9D8B030D-6E8A-4147-A177-3AD203B41FA5}">
-                      <a16:colId xmlns:a16="http://schemas.microsoft.com/office/drawing/2014/main" val="3507364006"/>
-                    </a:ext>
-                  </a:extLst>
-                </a:gridCol>
-              </a:tblGrid>
-              <a:tr h="467522">
-                <a:tc>
-                  <a:txBody>
-                    <a:bodyPr/>
-                    <a:lstStyle/>
-                    <a:p>
-                      <a:pPr algn="ctr"/>
-                      <a:r>
-                        <a:rPr lang="en-US" dirty="0" err="1"/>
-                        <a:t>customer_review</a:t>
-                      </a:r>
-                      <a:endParaRPr lang="en-US" dirty="0"/>
-                    </a:p>
-                  </a:txBody>
-                  <a:tcPr anchor="ctr"/>
-                </a:tc>
-                <a:extLst>
-                  <a:ext uri="{0D108BD9-81ED-4DB2-BD59-A6C34878D82A}">
-                    <a16:rowId xmlns:a16="http://schemas.microsoft.com/office/drawing/2014/main" val="936302315"/>
-                  </a:ext>
-                </a:extLst>
-              </a:tr>
-              <a:tr h="467522">
-                <a:tc>
-                  <a:txBody>
-                    <a:bodyPr/>
-                    <a:lstStyle/>
-                    <a:p>
-                      <a:pPr algn="ctr"/>
-                      <a:r>
-                        <a:rPr lang="en-US" dirty="0"/>
-                        <a:t>id: int</a:t>
-                      </a:r>
-                    </a:p>
-                  </a:txBody>
-                  <a:tcPr anchor="ctr"/>
-                </a:tc>
-                <a:extLst>
-                  <a:ext uri="{0D108BD9-81ED-4DB2-BD59-A6C34878D82A}">
-                    <a16:rowId xmlns:a16="http://schemas.microsoft.com/office/drawing/2014/main" val="226398911"/>
-                  </a:ext>
-                </a:extLst>
-              </a:tr>
-              <a:tr h="467522">
-                <a:tc>
-                  <a:txBody>
-                    <a:bodyPr/>
-                    <a:lstStyle/>
-                    <a:p>
-                      <a:pPr algn="ctr"/>
-                      <a:r>
-                        <a:rPr lang="en-US" dirty="0" err="1"/>
-                        <a:t>product_id</a:t>
-                      </a:r>
-                      <a:r>
-                        <a:rPr lang="en-US" dirty="0"/>
-                        <a:t>: int</a:t>
-                      </a:r>
-                    </a:p>
-                  </a:txBody>
-                  <a:tcPr anchor="ctr"/>
-                </a:tc>
-                <a:extLst>
-                  <a:ext uri="{0D108BD9-81ED-4DB2-BD59-A6C34878D82A}">
-                    <a16:rowId xmlns:a16="http://schemas.microsoft.com/office/drawing/2014/main" val="1247926334"/>
-                  </a:ext>
-                </a:extLst>
-              </a:tr>
-              <a:tr h="467522">
-                <a:tc>
-                  <a:txBody>
-                    <a:bodyPr/>
-                    <a:lstStyle/>
-                    <a:p>
-                      <a:pPr algn="ctr"/>
-                      <a:r>
-                        <a:rPr lang="en-US" dirty="0"/>
-                        <a:t>URL: str</a:t>
-                      </a:r>
-                    </a:p>
-                  </a:txBody>
-                  <a:tcPr anchor="ctr"/>
-                </a:tc>
-                <a:extLst>
-                  <a:ext uri="{0D108BD9-81ED-4DB2-BD59-A6C34878D82A}">
-                    <a16:rowId xmlns:a16="http://schemas.microsoft.com/office/drawing/2014/main" val="3965364580"/>
-                  </a:ext>
-                </a:extLst>
-              </a:tr>
-              <a:tr h="467522">
-                <a:tc>
-                  <a:txBody>
-                    <a:bodyPr/>
-                    <a:lstStyle/>
-                    <a:p>
-                      <a:pPr algn="ctr"/>
-                      <a:r>
-                        <a:rPr lang="en-US" dirty="0" err="1"/>
-                        <a:t>customer_name</a:t>
-                      </a:r>
-                      <a:r>
-                        <a:rPr lang="en-US" dirty="0"/>
-                        <a:t>: str</a:t>
-                      </a:r>
-                    </a:p>
-                  </a:txBody>
-                  <a:tcPr anchor="ctr"/>
-                </a:tc>
-                <a:extLst>
-                  <a:ext uri="{0D108BD9-81ED-4DB2-BD59-A6C34878D82A}">
-                    <a16:rowId xmlns:a16="http://schemas.microsoft.com/office/drawing/2014/main" val="505019232"/>
-                  </a:ext>
-                </a:extLst>
-              </a:tr>
-              <a:tr h="467522">
-                <a:tc>
-                  <a:txBody>
-                    <a:bodyPr/>
-                    <a:lstStyle/>
-                    <a:p>
-                      <a:pPr algn="ctr"/>
-                      <a:r>
-                        <a:rPr lang="en-US" dirty="0" err="1"/>
-                        <a:t>create_time</a:t>
-                      </a:r>
-                      <a:r>
-                        <a:rPr lang="en-US" dirty="0"/>
-                        <a:t>: datetime</a:t>
-                      </a:r>
-                    </a:p>
-                  </a:txBody>
-                  <a:tcPr anchor="ctr"/>
-                </a:tc>
-                <a:extLst>
-                  <a:ext uri="{0D108BD9-81ED-4DB2-BD59-A6C34878D82A}">
-                    <a16:rowId xmlns:a16="http://schemas.microsoft.com/office/drawing/2014/main" val="3047220543"/>
-                  </a:ext>
-                </a:extLst>
-              </a:tr>
-              <a:tr h="467522">
-                <a:tc>
-                  <a:txBody>
-                    <a:bodyPr/>
-                    <a:lstStyle/>
-                    <a:p>
-                      <a:pPr algn="ctr"/>
-                      <a:r>
-                        <a:rPr lang="en-US" dirty="0"/>
-                        <a:t>title: str</a:t>
-                      </a:r>
-                    </a:p>
-                  </a:txBody>
-                  <a:tcPr anchor="ctr"/>
-                </a:tc>
-                <a:extLst>
-                  <a:ext uri="{0D108BD9-81ED-4DB2-BD59-A6C34878D82A}">
-                    <a16:rowId xmlns:a16="http://schemas.microsoft.com/office/drawing/2014/main" val="3005768564"/>
-                  </a:ext>
-                </a:extLst>
-              </a:tr>
-              <a:tr h="467522">
-                <a:tc>
-                  <a:txBody>
-                    <a:bodyPr/>
-                    <a:lstStyle/>
-                    <a:p>
-                      <a:pPr algn="ctr"/>
-                      <a:r>
-                        <a:rPr lang="en-US" dirty="0"/>
-                        <a:t>content: str</a:t>
-                      </a:r>
-                    </a:p>
-                  </a:txBody>
-                  <a:tcPr anchor="ctr"/>
-                </a:tc>
-                <a:extLst>
-                  <a:ext uri="{0D108BD9-81ED-4DB2-BD59-A6C34878D82A}">
-                    <a16:rowId xmlns:a16="http://schemas.microsoft.com/office/drawing/2014/main" val="3181891261"/>
-                  </a:ext>
-                </a:extLst>
-              </a:tr>
-              <a:tr h="467522">
-                <a:tc>
-                  <a:txBody>
-                    <a:bodyPr/>
-                    <a:lstStyle/>
-                    <a:p>
-                      <a:pPr algn="ctr"/>
-                      <a:r>
-                        <a:rPr lang="en-US" dirty="0"/>
-                        <a:t>rate: int (1~5)</a:t>
-                      </a:r>
-                    </a:p>
-                  </a:txBody>
-                  <a:tcPr anchor="ctr"/>
-                </a:tc>
-                <a:extLst>
-                  <a:ext uri="{0D108BD9-81ED-4DB2-BD59-A6C34878D82A}">
-                    <a16:rowId xmlns:a16="http://schemas.microsoft.com/office/drawing/2014/main" val="2432471943"/>
-                  </a:ext>
-                </a:extLst>
-              </a:tr>
-            </a:tbl>
-          </a:graphicData>
-        </a:graphic>
-      </p:graphicFrame>
+      <p:sp>
+        <p:nvSpPr>
+          <p:cNvPr id="7" name="TextBox 6">
+            <a:extLst>
+              <a:ext uri="{FF2B5EF4-FFF2-40B4-BE49-F238E27FC236}">
+                <a16:creationId xmlns:a16="http://schemas.microsoft.com/office/drawing/2014/main" id="{20461610-2C11-BFD5-B243-65B80EAD028C}"/>
+              </a:ext>
+            </a:extLst>
+          </p:cNvPr>
+          <p:cNvSpPr txBox="1"/>
+          <p:nvPr/>
+        </p:nvSpPr>
+        <p:spPr>
+          <a:xfrm>
+            <a:off x="7633699" y="100101"/>
+            <a:ext cx="4068566" cy="5355312"/>
+          </a:xfrm>
+          <a:prstGeom prst="rect">
+            <a:avLst/>
+          </a:prstGeom>
+          <a:noFill/>
+        </p:spPr>
+        <p:txBody>
+          <a:bodyPr wrap="square" rtlCol="0">
+            <a:spAutoFit/>
+          </a:bodyPr>
+          <a:lstStyle/>
+          <a:p>
+            <a:r>
+              <a:rPr lang="en-US" dirty="0"/>
+              <a:t>Customer location:</a:t>
+            </a:r>
+          </a:p>
+          <a:p>
+            <a:r>
+              <a:rPr lang="en-US" dirty="0"/>
+              <a:t>{stony-brook, flushing, </a:t>
+            </a:r>
+            <a:r>
+              <a:rPr lang="en-US" dirty="0" err="1"/>
+              <a:t>jaricho</a:t>
+            </a:r>
+            <a:r>
+              <a:rPr lang="en-US" dirty="0"/>
+              <a:t>, Manhattan, ..}</a:t>
+            </a:r>
+          </a:p>
+          <a:p>
+            <a:endParaRPr lang="en-US" dirty="0"/>
+          </a:p>
+          <a:p>
+            <a:r>
+              <a:rPr lang="en-US" dirty="0"/>
+              <a:t>Customer location:</a:t>
+            </a:r>
+          </a:p>
+          <a:p>
+            <a:r>
+              <a:rPr lang="en-US" dirty="0"/>
+              <a:t>{household, agent-wholesale, restaurant, </a:t>
+            </a:r>
+          </a:p>
+          <a:p>
+            <a:r>
+              <a:rPr lang="en-US" dirty="0"/>
+              <a:t>Supermarket, …}</a:t>
+            </a:r>
+          </a:p>
+          <a:p>
+            <a:endParaRPr lang="en-US" dirty="0"/>
+          </a:p>
+          <a:p>
+            <a:r>
+              <a:rPr lang="en-US" dirty="0"/>
+              <a:t>Sales: status:</a:t>
+            </a:r>
+          </a:p>
+          <a:p>
+            <a:r>
+              <a:rPr lang="en-US" dirty="0"/>
+              <a:t>{“paid”, ”unpaid”, “cancelled”, …}</a:t>
+            </a:r>
+          </a:p>
+          <a:p>
+            <a:endParaRPr lang="en-US" dirty="0"/>
+          </a:p>
+          <a:p>
+            <a:r>
+              <a:rPr lang="en-US" dirty="0"/>
+              <a:t>Sales: products: </a:t>
+            </a:r>
+          </a:p>
+          <a:p>
+            <a:r>
+              <a:rPr lang="en-US" dirty="0"/>
+              <a:t>[{“</a:t>
+            </a:r>
+            <a:r>
+              <a:rPr lang="en-US" dirty="0" err="1"/>
+              <a:t>product_id</a:t>
+            </a:r>
+            <a:r>
+              <a:rPr lang="en-US" dirty="0"/>
+              <a:t>”: xxx, “</a:t>
+            </a:r>
+            <a:r>
+              <a:rPr lang="en-US" dirty="0" err="1"/>
+              <a:t>product_name</a:t>
+            </a:r>
+            <a:r>
+              <a:rPr lang="en-US" dirty="0"/>
+              <a:t>”: “xxx”, “quantity”: 2, “unit”: “</a:t>
+            </a:r>
+            <a:r>
+              <a:rPr lang="en-US" dirty="0" err="1"/>
+              <a:t>lb</a:t>
+            </a:r>
+            <a:r>
+              <a:rPr lang="en-US" dirty="0"/>
+              <a:t>”, “</a:t>
+            </a:r>
+            <a:r>
+              <a:rPr lang="en-US" dirty="0" err="1"/>
+              <a:t>unit_price</a:t>
+            </a:r>
+            <a:r>
+              <a:rPr lang="en-US" dirty="0"/>
+              <a:t>”: $7, “total price”: $14}, …]</a:t>
+            </a:r>
+          </a:p>
+          <a:p>
+            <a:endParaRPr lang="en-US" dirty="0"/>
+          </a:p>
+          <a:p>
+            <a:endParaRPr lang="en-US" dirty="0"/>
+          </a:p>
+          <a:p>
+            <a:r>
+              <a:rPr lang="en-US" dirty="0"/>
+              <a:t>Sales: </a:t>
+            </a:r>
+            <a:r>
+              <a:rPr lang="en-US" dirty="0" err="1"/>
+              <a:t>Pay_method</a:t>
+            </a:r>
+            <a:r>
+              <a:rPr lang="en-US" dirty="0"/>
+              <a:t>: </a:t>
+            </a:r>
+          </a:p>
+          <a:p>
+            <a:r>
+              <a:rPr lang="en-US" dirty="0"/>
+              <a:t>{“cash”, “credit card”, “</a:t>
+            </a:r>
+            <a:r>
+              <a:rPr lang="en-US" dirty="0" err="1"/>
+              <a:t>zelle</a:t>
+            </a:r>
+            <a:r>
+              <a:rPr lang="en-US" dirty="0"/>
+              <a:t>”, “agent”, …}</a:t>
+            </a:r>
+          </a:p>
+        </p:txBody>
+      </p:sp>
       <p:cxnSp>
         <p:nvCxnSpPr>
-          <p:cNvPr id="8" name="Elbow Connector 7">
-            <a:extLst>
-              <a:ext uri="{FF2B5EF4-FFF2-40B4-BE49-F238E27FC236}">
-                <a16:creationId xmlns:a16="http://schemas.microsoft.com/office/drawing/2014/main" id="{511503EA-33A9-F044-B3C6-32DC90C9F0F7}"/>
+          <p:cNvPr id="10" name="Elbow Connector 9">
+            <a:extLst>
+              <a:ext uri="{FF2B5EF4-FFF2-40B4-BE49-F238E27FC236}">
+                <a16:creationId xmlns:a16="http://schemas.microsoft.com/office/drawing/2014/main" id="{67CD0572-3078-418D-E95E-5AC2FDF5E9FE}"/>
               </a:ext>
             </a:extLst>
           </p:cNvPr>
           <p:cNvCxnSpPr>
             <a:cxnSpLocks/>
+            <a:stCxn id="3" idx="1"/>
+            <a:endCxn id="5" idx="3"/>
           </p:cNvCxnSpPr>
           <p:nvPr/>
         </p:nvCxnSpPr>
         <p:spPr>
-          <a:xfrm rot="10800000">
-            <a:off x="2222809" y="1230887"/>
-            <a:ext cx="858480" cy="497552"/>
+          <a:xfrm rot="10800000" flipV="1">
+            <a:off x="4806175" y="1943627"/>
+            <a:ext cx="615910" cy="640080"/>
           </a:xfrm>
           <a:prstGeom prst="bentConnector3">
             <a:avLst>
               <a:gd name="adj1" fmla="val 50000"/>
             </a:avLst>
           </a:prstGeom>
+          <a:ln w="38100">
+            <a:solidFill>
+              <a:srgbClr val="FF0000"/>
+            </a:solidFill>
+          </a:ln>
         </p:spPr>
         <p:style>
-          <a:lnRef idx="3">
-            <a:schemeClr val="dk1"/>
+          <a:lnRef idx="1">
+            <a:schemeClr val="accent1"/>
           </a:lnRef>
           <a:fillRef idx="0">
-            <a:schemeClr val="dk1"/>
+            <a:schemeClr val="accent1"/>
           </a:fillRef>
-          <a:effectRef idx="2">
-            <a:schemeClr val="dk1"/>
+          <a:effectRef idx="0">
+            <a:schemeClr val="accent1"/>
           </a:effectRef>
           <a:fontRef idx="minor">
             <a:schemeClr val="tx1"/>
@@ -5245,10 +5650,10 @@
       </p:cxnSp>
       <p:sp>
         <p:nvSpPr>
-          <p:cNvPr id="12" name="TextBox 11">
-            <a:extLst>
-              <a:ext uri="{FF2B5EF4-FFF2-40B4-BE49-F238E27FC236}">
-                <a16:creationId xmlns:a16="http://schemas.microsoft.com/office/drawing/2014/main" id="{F1233E42-4F68-B64E-B1B3-3A7ABF70D1D4}"/>
+          <p:cNvPr id="13" name="TextBox 12">
+            <a:extLst>
+              <a:ext uri="{FF2B5EF4-FFF2-40B4-BE49-F238E27FC236}">
+                <a16:creationId xmlns:a16="http://schemas.microsoft.com/office/drawing/2014/main" id="{5E06561E-D4A3-8D0C-07EA-815B3AB064CD}"/>
               </a:ext>
             </a:extLst>
           </p:cNvPr>
@@ -5257,8 +5662,8 @@
         </p:nvSpPr>
         <p:spPr>
           <a:xfrm>
-            <a:off x="2207945" y="892098"/>
-            <a:ext cx="479618" cy="369332"/>
+            <a:off x="4931597" y="1150707"/>
+            <a:ext cx="445956" cy="769441"/>
           </a:xfrm>
           <a:prstGeom prst="rect">
             <a:avLst/>
@@ -5272,118 +5677,12 @@
           <a:lstStyle/>
           <a:p>
             <a:r>
-              <a:rPr lang="en-US" dirty="0"/>
-              <a:t>1:*</a:t>
-            </a:r>
-          </a:p>
-        </p:txBody>
-      </p:sp>
-      <p:cxnSp>
-        <p:nvCxnSpPr>
-          <p:cNvPr id="14" name="Elbow Connector 13">
-            <a:extLst>
-              <a:ext uri="{FF2B5EF4-FFF2-40B4-BE49-F238E27FC236}">
-                <a16:creationId xmlns:a16="http://schemas.microsoft.com/office/drawing/2014/main" id="{4594CE7F-EBC0-0A42-AB77-7FF3D1A6743D}"/>
-              </a:ext>
-            </a:extLst>
-          </p:cNvPr>
-          <p:cNvCxnSpPr>
-            <a:cxnSpLocks/>
-          </p:cNvCxnSpPr>
-          <p:nvPr/>
-        </p:nvCxnSpPr>
-        <p:spPr>
-          <a:xfrm rot="10800000">
-            <a:off x="4806175" y="1238328"/>
-            <a:ext cx="858480" cy="497552"/>
-          </a:xfrm>
-          <a:prstGeom prst="bentConnector3">
-            <a:avLst>
-              <a:gd name="adj1" fmla="val 50000"/>
-            </a:avLst>
-          </a:prstGeom>
-        </p:spPr>
-        <p:style>
-          <a:lnRef idx="3">
-            <a:schemeClr val="dk1"/>
-          </a:lnRef>
-          <a:fillRef idx="0">
-            <a:schemeClr val="dk1"/>
-          </a:fillRef>
-          <a:effectRef idx="2">
-            <a:schemeClr val="dk1"/>
-          </a:effectRef>
-          <a:fontRef idx="minor">
-            <a:schemeClr val="tx1"/>
-          </a:fontRef>
-        </p:style>
-      </p:cxnSp>
-      <p:sp>
-        <p:nvSpPr>
-          <p:cNvPr id="15" name="TextBox 14">
-            <a:extLst>
-              <a:ext uri="{FF2B5EF4-FFF2-40B4-BE49-F238E27FC236}">
-                <a16:creationId xmlns:a16="http://schemas.microsoft.com/office/drawing/2014/main" id="{3715A10C-3E27-0D42-B949-B0ED52AD658E}"/>
-              </a:ext>
-            </a:extLst>
-          </p:cNvPr>
-          <p:cNvSpPr txBox="1"/>
-          <p:nvPr/>
-        </p:nvSpPr>
-        <p:spPr>
-          <a:xfrm>
-            <a:off x="4800528" y="868995"/>
-            <a:ext cx="479618" cy="369332"/>
-          </a:xfrm>
-          <a:prstGeom prst="rect">
-            <a:avLst/>
-          </a:prstGeom>
-          <a:noFill/>
-        </p:spPr>
-        <p:txBody>
-          <a:bodyPr wrap="none" rtlCol="0">
-            <a:spAutoFit/>
-          </a:bodyPr>
-          <a:lstStyle/>
-          <a:p>
-            <a:r>
-              <a:rPr lang="en-US" dirty="0"/>
-              <a:t>1:*</a:t>
-            </a:r>
-          </a:p>
-        </p:txBody>
-      </p:sp>
-      <p:sp>
-        <p:nvSpPr>
-          <p:cNvPr id="2" name="TextBox 1">
-            <a:extLst>
-              <a:ext uri="{FF2B5EF4-FFF2-40B4-BE49-F238E27FC236}">
-                <a16:creationId xmlns:a16="http://schemas.microsoft.com/office/drawing/2014/main" id="{F61DE7AC-B032-73C3-3749-0791FECA3884}"/>
-              </a:ext>
-            </a:extLst>
-          </p:cNvPr>
-          <p:cNvSpPr txBox="1"/>
-          <p:nvPr/>
-        </p:nvSpPr>
-        <p:spPr>
-          <a:xfrm>
-            <a:off x="71919" y="71920"/>
-            <a:ext cx="982961" cy="369332"/>
-          </a:xfrm>
-          <a:prstGeom prst="rect">
-            <a:avLst/>
-          </a:prstGeom>
-          <a:noFill/>
-        </p:spPr>
-        <p:txBody>
-          <a:bodyPr wrap="none" rtlCol="0">
-            <a:spAutoFit/>
-          </a:bodyPr>
-          <a:lstStyle/>
-          <a:p>
-            <a:r>
-              <a:rPr lang="en-US" dirty="0"/>
-              <a:t>Schema:</a:t>
+              <a:rPr lang="en-US" sz="4400" dirty="0">
+                <a:solidFill>
+                  <a:srgbClr val="FF0000"/>
+                </a:solidFill>
+              </a:rPr>
+              <a:t>?</a:t>
             </a:r>
           </a:p>
         </p:txBody>

--- a/docs/plan.pptx
+++ b/docs/plan.pptx
@@ -4631,14 +4631,14 @@
           <p:nvPr>
             <p:extLst>
               <p:ext uri="{D42A27DB-BD31-4B8C-83A1-F6EECF244321}">
-                <p14:modId xmlns:p14="http://schemas.microsoft.com/office/powerpoint/2010/main" val="3972083902"/>
+                <p14:modId xmlns:p14="http://schemas.microsoft.com/office/powerpoint/2010/main" val="3517243365"/>
               </p:ext>
             </p:extLst>
           </p:nvPr>
         </p:nvGraphicFramePr>
         <p:xfrm>
-          <a:off x="400692" y="541889"/>
-          <a:ext cx="1822116" cy="5515410"/>
+          <a:off x="71918" y="541889"/>
+          <a:ext cx="1943095" cy="5486400"/>
         </p:xfrm>
         <a:graphic>
           <a:graphicData uri="http://schemas.openxmlformats.org/drawingml/2006/table">
@@ -4647,7 +4647,7 @@
                 <a:tableStyleId>{69012ECD-51FC-41F1-AA8D-1B2483CD663E}</a:tableStyleId>
               </a:tblPr>
               <a:tblGrid>
-                <a:gridCol w="1822116">
+                <a:gridCol w="1943095">
                   <a:extLst>
                     <a:ext uri="{9D8B030D-6E8A-4147-A177-3AD203B41FA5}">
                       <a16:colId xmlns:a16="http://schemas.microsoft.com/office/drawing/2014/main" val="3507364006"/>
@@ -4655,7 +4655,7 @@
                   </a:extLst>
                 </a:gridCol>
               </a:tblGrid>
-              <a:tr h="487533">
+              <a:tr h="262465">
                 <a:tc>
                   <a:txBody>
                     <a:bodyPr/>
@@ -4663,7 +4663,7 @@
                     <a:p>
                       <a:pPr algn="ctr"/>
                       <a:r>
-                        <a:rPr lang="en-US" dirty="0"/>
+                        <a:rPr lang="en-US" sz="1200" dirty="0"/>
                         <a:t>customer</a:t>
                       </a:r>
                     </a:p>
@@ -4676,7 +4676,7 @@
                   </a:ext>
                 </a:extLst>
               </a:tr>
-              <a:tr h="487533">
+              <a:tr h="262465">
                 <a:tc>
                   <a:txBody>
                     <a:bodyPr/>
@@ -4684,7 +4684,7 @@
                     <a:p>
                       <a:pPr algn="ctr"/>
                       <a:r>
-                        <a:rPr lang="en-US" dirty="0"/>
+                        <a:rPr lang="en-US" sz="1200" dirty="0"/>
                         <a:t>id: int</a:t>
                       </a:r>
                     </a:p>
@@ -4697,7 +4697,7 @@
                   </a:ext>
                 </a:extLst>
               </a:tr>
-              <a:tr h="487533">
+              <a:tr h="262465">
                 <a:tc>
                   <a:txBody>
                     <a:bodyPr/>
@@ -4705,8 +4705,8 @@
                     <a:p>
                       <a:pPr algn="ctr"/>
                       <a:r>
-                        <a:rPr lang="en-US" dirty="0"/>
-                        <a:t>name: str</a:t>
+                        <a:rPr lang="en-US" sz="1200" dirty="0"/>
+                        <a:t>*name: str</a:t>
                       </a:r>
                     </a:p>
                   </a:txBody>
@@ -4718,7 +4718,7 @@
                   </a:ext>
                 </a:extLst>
               </a:tr>
-              <a:tr h="487533">
+              <a:tr h="262465">
                 <a:tc>
                   <a:txBody>
                     <a:bodyPr/>
@@ -4726,8 +4726,8 @@
                     <a:p>
                       <a:pPr algn="ctr"/>
                       <a:r>
-                        <a:rPr lang="en-US" dirty="0"/>
-                        <a:t>phone: str</a:t>
+                        <a:rPr lang="en-US" sz="1200" dirty="0"/>
+                        <a:t>*phone: str</a:t>
                       </a:r>
                     </a:p>
                   </a:txBody>
@@ -4739,7 +4739,7 @@
                   </a:ext>
                 </a:extLst>
               </a:tr>
-              <a:tr h="487533">
+              <a:tr h="262465">
                 <a:tc>
                   <a:txBody>
                     <a:bodyPr/>
@@ -4747,7 +4747,7 @@
                     <a:p>
                       <a:pPr algn="ctr"/>
                       <a:r>
-                        <a:rPr lang="en-US" dirty="0"/>
+                        <a:rPr lang="en-US" sz="1200" dirty="0"/>
                         <a:t>Email: str</a:t>
                       </a:r>
                     </a:p>
@@ -4760,7 +4760,7 @@
                   </a:ext>
                 </a:extLst>
               </a:tr>
-              <a:tr h="487533">
+              <a:tr h="262465">
                 <a:tc>
                   <a:txBody>
                     <a:bodyPr/>
@@ -4768,7 +4768,32 @@
                     <a:p>
                       <a:pPr algn="ctr"/>
                       <a:r>
-                        <a:rPr lang="en-US" dirty="0"/>
+                        <a:rPr lang="en-US" sz="1200" dirty="0" err="1"/>
+                        <a:t>Wechat</a:t>
+                      </a:r>
+                      <a:r>
+                        <a:rPr lang="en-US" sz="1200" dirty="0"/>
+                        <a:t>: str</a:t>
+                      </a:r>
+                    </a:p>
+                  </a:txBody>
+                  <a:tcPr anchor="ctr"/>
+                </a:tc>
+                <a:extLst>
+                  <a:ext uri="{0D108BD9-81ED-4DB2-BD59-A6C34878D82A}">
+                    <a16:rowId xmlns:a16="http://schemas.microsoft.com/office/drawing/2014/main" val="4000371133"/>
+                  </a:ext>
+                </a:extLst>
+              </a:tr>
+              <a:tr h="262465">
+                <a:tc>
+                  <a:txBody>
+                    <a:bodyPr/>
+                    <a:lstStyle/>
+                    <a:p>
+                      <a:pPr algn="ctr"/>
+                      <a:r>
+                        <a:rPr lang="en-US" sz="1200" dirty="0"/>
                         <a:t>Address: str</a:t>
                       </a:r>
                     </a:p>
@@ -4781,7 +4806,7 @@
                   </a:ext>
                 </a:extLst>
               </a:tr>
-              <a:tr h="487533">
+              <a:tr h="262465">
                 <a:tc>
                   <a:txBody>
                     <a:bodyPr/>
@@ -4789,8 +4814,8 @@
                     <a:p>
                       <a:pPr algn="ctr"/>
                       <a:r>
-                        <a:rPr lang="en-US" dirty="0"/>
-                        <a:t>Balance: </a:t>
+                        <a:rPr lang="en-US" sz="1200" dirty="0"/>
+                        <a:t>Balance: $</a:t>
                       </a:r>
                     </a:p>
                   </a:txBody>
@@ -4802,7 +4827,7 @@
                   </a:ext>
                 </a:extLst>
               </a:tr>
-              <a:tr h="487533">
+              <a:tr h="262465">
                 <a:tc>
                   <a:txBody>
                     <a:bodyPr/>
@@ -4826,14 +4851,9 @@
                         <a:defRPr/>
                       </a:pPr>
                       <a:r>
-                        <a:rPr lang="en-US" dirty="0"/>
-                        <a:t>location: </a:t>
+                        <a:rPr lang="en-US" sz="1200" dirty="0"/>
+                        <a:t>location: cat</a:t>
                       </a:r>
-                      <a:r>
-                        <a:rPr lang="en-US" dirty="0" err="1"/>
-                        <a:t>enum</a:t>
-                      </a:r>
-                      <a:endParaRPr lang="en-US" dirty="0"/>
                     </a:p>
                   </a:txBody>
                   <a:tcPr anchor="ctr"/>
@@ -4844,15 +4864,93 @@
                   </a:ext>
                 </a:extLst>
               </a:tr>
-              <a:tr h="487533">
-                <a:tc>
-                  <a:txBody>
-                    <a:bodyPr/>
-                    <a:lstStyle/>
-                    <a:p>
-                      <a:pPr algn="ctr"/>
+              <a:tr h="262465">
+                <a:tc>
+                  <a:txBody>
+                    <a:bodyPr/>
+                    <a:lstStyle/>
+                    <a:p>
+                      <a:pPr marL="0" marR="0" lvl="0" indent="0" algn="ctr" defTabSz="914400" rtl="0" eaLnBrk="1" fontAlgn="auto" latinLnBrk="0" hangingPunct="1">
+                        <a:lnSpc>
+                          <a:spcPct val="100000"/>
+                        </a:lnSpc>
+                        <a:spcBef>
+                          <a:spcPts val="0"/>
+                        </a:spcBef>
+                        <a:spcAft>
+                          <a:spcPts val="0"/>
+                        </a:spcAft>
+                        <a:buClrTx/>
+                        <a:buSzTx/>
+                        <a:buFontTx/>
+                        <a:buNone/>
+                        <a:tabLst/>
+                        <a:defRPr/>
+                      </a:pPr>
                       <a:r>
-                        <a:rPr lang="en-US" dirty="0"/>
+                        <a:rPr lang="en-US" sz="1200" dirty="0"/>
+                        <a:t>Label: cat</a:t>
+                      </a:r>
+                    </a:p>
+                  </a:txBody>
+                  <a:tcPr anchor="ctr"/>
+                </a:tc>
+                <a:extLst>
+                  <a:ext uri="{0D108BD9-81ED-4DB2-BD59-A6C34878D82A}">
+                    <a16:rowId xmlns:a16="http://schemas.microsoft.com/office/drawing/2014/main" val="3823538423"/>
+                  </a:ext>
+                </a:extLst>
+              </a:tr>
+              <a:tr h="262465">
+                <a:tc>
+                  <a:txBody>
+                    <a:bodyPr/>
+                    <a:lstStyle/>
+                    <a:p>
+                      <a:pPr marL="0" marR="0" lvl="0" indent="0" algn="ctr" defTabSz="914400" rtl="0" eaLnBrk="1" fontAlgn="auto" latinLnBrk="0" hangingPunct="1">
+                        <a:lnSpc>
+                          <a:spcPct val="100000"/>
+                        </a:lnSpc>
+                        <a:spcBef>
+                          <a:spcPts val="0"/>
+                        </a:spcBef>
+                        <a:spcAft>
+                          <a:spcPts val="0"/>
+                        </a:spcAft>
+                        <a:buClrTx/>
+                        <a:buSzTx/>
+                        <a:buFontTx/>
+                        <a:buNone/>
+                        <a:tabLst/>
+                        <a:defRPr/>
+                      </a:pPr>
+                      <a:r>
+                        <a:rPr lang="en-US" sz="1200" dirty="0" err="1"/>
+                        <a:t>Is_active</a:t>
+                      </a:r>
+                      <a:r>
+                        <a:rPr lang="en-US" sz="1200" dirty="0"/>
+                        <a:t>: bool</a:t>
+                      </a:r>
+                    </a:p>
+                  </a:txBody>
+                  <a:tcPr anchor="ctr"/>
+                </a:tc>
+                <a:extLst>
+                  <a:ext uri="{0D108BD9-81ED-4DB2-BD59-A6C34878D82A}">
+                    <a16:rowId xmlns:a16="http://schemas.microsoft.com/office/drawing/2014/main" val="4066502133"/>
+                  </a:ext>
+                </a:extLst>
+              </a:tr>
+              <a:tr h="262465">
+                <a:tc>
+                  <a:txBody>
+                    <a:bodyPr/>
+                    <a:lstStyle/>
+                    <a:p>
+                      <a:pPr algn="ctr"/>
+                      <a:r>
+                        <a:rPr lang="en-US" sz="1200" dirty="0"/>
                         <a:t>Membership: bool</a:t>
                       </a:r>
                     </a:p>
@@ -4865,7 +4963,7 @@
                   </a:ext>
                 </a:extLst>
               </a:tr>
-              <a:tr h="487533">
+              <a:tr h="262465">
                 <a:tc>
                   <a:txBody>
                     <a:bodyPr/>
@@ -4873,14 +4971,13 @@
                     <a:p>
                       <a:pPr algn="ctr"/>
                       <a:r>
-                        <a:rPr lang="en-US" dirty="0"/>
-                        <a:t>Category: </a:t>
+                        <a:rPr lang="en-US" sz="1200" dirty="0" err="1"/>
+                        <a:t>Register_time</a:t>
                       </a:r>
                       <a:r>
-                        <a:rPr lang="en-US" dirty="0" err="1"/>
-                        <a:t>enum</a:t>
+                        <a:rPr lang="en-US" sz="1200" dirty="0"/>
+                        <a:t>: datetime</a:t>
                       </a:r>
-                      <a:endParaRPr lang="en-US" dirty="0"/>
                     </a:p>
                   </a:txBody>
                   <a:tcPr anchor="ctr"/>
@@ -4891,7 +4988,7 @@
                   </a:ext>
                 </a:extLst>
               </a:tr>
-              <a:tr h="487533">
+              <a:tr h="262465">
                 <a:tc>
                   <a:txBody>
                     <a:bodyPr/>
@@ -4899,8 +4996,12 @@
                     <a:p>
                       <a:pPr algn="ctr"/>
                       <a:r>
-                        <a:rPr lang="en-US" dirty="0"/>
-                        <a:t>…</a:t>
+                        <a:rPr lang="en-US" sz="1200" dirty="0" err="1"/>
+                        <a:t>Last_active</a:t>
+                      </a:r>
+                      <a:r>
+                        <a:rPr lang="en-US" sz="1200" dirty="0"/>
+                        <a:t>: datetime</a:t>
                       </a:r>
                     </a:p>
                   </a:txBody>
@@ -4909,6 +5010,142 @@
                 <a:extLst>
                   <a:ext uri="{0D108BD9-81ED-4DB2-BD59-A6C34878D82A}">
                     <a16:rowId xmlns:a16="http://schemas.microsoft.com/office/drawing/2014/main" val="598259670"/>
+                  </a:ext>
+                </a:extLst>
+              </a:tr>
+              <a:tr h="262465">
+                <a:tc>
+                  <a:txBody>
+                    <a:bodyPr/>
+                    <a:lstStyle/>
+                    <a:p>
+                      <a:pPr algn="ctr"/>
+                      <a:r>
+                        <a:rPr lang="en-US" sz="1200" dirty="0"/>
+                        <a:t>Referrer: int (</a:t>
+                      </a:r>
+                      <a:r>
+                        <a:rPr lang="en-US" sz="1200" dirty="0" err="1"/>
+                        <a:t>customer_id</a:t>
+                      </a:r>
+                      <a:r>
+                        <a:rPr lang="en-US" sz="1200" dirty="0"/>
+                        <a:t>)</a:t>
+                      </a:r>
+                    </a:p>
+                  </a:txBody>
+                  <a:tcPr anchor="ctr"/>
+                </a:tc>
+                <a:extLst>
+                  <a:ext uri="{0D108BD9-81ED-4DB2-BD59-A6C34878D82A}">
+                    <a16:rowId xmlns:a16="http://schemas.microsoft.com/office/drawing/2014/main" val="4034195541"/>
+                  </a:ext>
+                </a:extLst>
+              </a:tr>
+              <a:tr h="262465">
+                <a:tc>
+                  <a:txBody>
+                    <a:bodyPr/>
+                    <a:lstStyle/>
+                    <a:p>
+                      <a:pPr algn="ctr"/>
+                      <a:r>
+                        <a:rPr lang="en-US" sz="1200" dirty="0"/>
+                        <a:t>*Language: cat</a:t>
+                      </a:r>
+                    </a:p>
+                  </a:txBody>
+                  <a:tcPr anchor="ctr"/>
+                </a:tc>
+                <a:extLst>
+                  <a:ext uri="{0D108BD9-81ED-4DB2-BD59-A6C34878D82A}">
+                    <a16:rowId xmlns:a16="http://schemas.microsoft.com/office/drawing/2014/main" val="1202725429"/>
+                  </a:ext>
+                </a:extLst>
+              </a:tr>
+              <a:tr h="262465">
+                <a:tc>
+                  <a:txBody>
+                    <a:bodyPr/>
+                    <a:lstStyle/>
+                    <a:p>
+                      <a:pPr algn="ctr"/>
+                      <a:r>
+                        <a:rPr lang="en-US" sz="1200" dirty="0" err="1"/>
+                        <a:t>Prefer_contact_method</a:t>
+                      </a:r>
+                      <a:r>
+                        <a:rPr lang="en-US" sz="1200" dirty="0"/>
+                        <a:t>: cat</a:t>
+                      </a:r>
+                    </a:p>
+                  </a:txBody>
+                  <a:tcPr anchor="ctr"/>
+                </a:tc>
+                <a:extLst>
+                  <a:ext uri="{0D108BD9-81ED-4DB2-BD59-A6C34878D82A}">
+                    <a16:rowId xmlns:a16="http://schemas.microsoft.com/office/drawing/2014/main" val="1354071837"/>
+                  </a:ext>
+                </a:extLst>
+              </a:tr>
+              <a:tr h="262465">
+                <a:tc>
+                  <a:txBody>
+                    <a:bodyPr/>
+                    <a:lstStyle/>
+                    <a:p>
+                      <a:pPr algn="ctr"/>
+                      <a:r>
+                        <a:rPr lang="en-US" sz="1200" dirty="0" err="1"/>
+                        <a:t>Is_subscriber</a:t>
+                      </a:r>
+                      <a:r>
+                        <a:rPr lang="en-US" sz="1200" dirty="0"/>
+                        <a:t>: bool</a:t>
+                      </a:r>
+                    </a:p>
+                  </a:txBody>
+                  <a:tcPr anchor="ctr"/>
+                </a:tc>
+                <a:extLst>
+                  <a:ext uri="{0D108BD9-81ED-4DB2-BD59-A6C34878D82A}">
+                    <a16:rowId xmlns:a16="http://schemas.microsoft.com/office/drawing/2014/main" val="2168156144"/>
+                  </a:ext>
+                </a:extLst>
+              </a:tr>
+              <a:tr h="262465">
+                <a:tc>
+                  <a:txBody>
+                    <a:bodyPr/>
+                    <a:lstStyle/>
+                    <a:p>
+                      <a:pPr algn="ctr"/>
+                      <a:endParaRPr lang="en-US" sz="1200" dirty="0"/>
+                    </a:p>
+                  </a:txBody>
+                  <a:tcPr anchor="ctr"/>
+                </a:tc>
+                <a:extLst>
+                  <a:ext uri="{0D108BD9-81ED-4DB2-BD59-A6C34878D82A}">
+                    <a16:rowId xmlns:a16="http://schemas.microsoft.com/office/drawing/2014/main" val="3069552627"/>
+                  </a:ext>
+                </a:extLst>
+              </a:tr>
+              <a:tr h="262465">
+                <a:tc>
+                  <a:txBody>
+                    <a:bodyPr/>
+                    <a:lstStyle/>
+                    <a:p>
+                      <a:pPr algn="ctr"/>
+                      <a:endParaRPr lang="en-US" sz="1200" dirty="0"/>
+                    </a:p>
+                  </a:txBody>
+                  <a:tcPr anchor="ctr"/>
+                </a:tc>
+                <a:extLst>
+                  <a:ext uri="{0D108BD9-81ED-4DB2-BD59-A6C34878D82A}">
+                    <a16:rowId xmlns:a16="http://schemas.microsoft.com/office/drawing/2014/main" val="227232930"/>
                   </a:ext>
                 </a:extLst>
               </a:tr>
@@ -4931,14 +5168,14 @@
           <p:nvPr>
             <p:extLst>
               <p:ext uri="{D42A27DB-BD31-4B8C-83A1-F6EECF244321}">
-                <p14:modId xmlns:p14="http://schemas.microsoft.com/office/powerpoint/2010/main" val="62211166"/>
+                <p14:modId xmlns:p14="http://schemas.microsoft.com/office/powerpoint/2010/main" val="14877323"/>
               </p:ext>
             </p:extLst>
           </p:nvPr>
         </p:nvGraphicFramePr>
         <p:xfrm>
-          <a:off x="3081289" y="541889"/>
-          <a:ext cx="1724886" cy="4083636"/>
+          <a:off x="2632934" y="541889"/>
+          <a:ext cx="1456582" cy="5028690"/>
         </p:xfrm>
         <a:graphic>
           <a:graphicData uri="http://schemas.openxmlformats.org/drawingml/2006/table">
@@ -4947,7 +5184,7 @@
                 <a:tableStyleId>{69012ECD-51FC-41F1-AA8D-1B2483CD663E}</a:tableStyleId>
               </a:tblPr>
               <a:tblGrid>
-                <a:gridCol w="1724886">
+                <a:gridCol w="1456582">
                   <a:extLst>
                     <a:ext uri="{9D8B030D-6E8A-4147-A177-3AD203B41FA5}">
                       <a16:colId xmlns:a16="http://schemas.microsoft.com/office/drawing/2014/main" val="3507364006"/>
@@ -4955,7 +5192,7 @@
                   </a:extLst>
                 </a:gridCol>
               </a:tblGrid>
-              <a:tr h="467246">
+              <a:tr h="326535">
                 <a:tc>
                   <a:txBody>
                     <a:bodyPr/>
@@ -4963,8 +5200,8 @@
                     <a:p>
                       <a:pPr algn="ctr"/>
                       <a:r>
-                        <a:rPr lang="en-US" dirty="0"/>
-                        <a:t>sales</a:t>
+                        <a:rPr lang="en-US" sz="1200" dirty="0"/>
+                        <a:t>order</a:t>
                       </a:r>
                     </a:p>
                   </a:txBody>
@@ -4976,7 +5213,7 @@
                   </a:ext>
                 </a:extLst>
               </a:tr>
-              <a:tr h="467246">
+              <a:tr h="326535">
                 <a:tc>
                   <a:txBody>
                     <a:bodyPr/>
@@ -4984,7 +5221,7 @@
                     <a:p>
                       <a:pPr algn="ctr"/>
                       <a:r>
-                        <a:rPr lang="en-US" dirty="0"/>
+                        <a:rPr lang="en-US" sz="1200" dirty="0"/>
                         <a:t>id: int</a:t>
                       </a:r>
                     </a:p>
@@ -4997,7 +5234,7 @@
                   </a:ext>
                 </a:extLst>
               </a:tr>
-              <a:tr h="467246">
+              <a:tr h="326535">
                 <a:tc>
                   <a:txBody>
                     <a:bodyPr/>
@@ -5005,11 +5242,11 @@
                     <a:p>
                       <a:pPr algn="ctr"/>
                       <a:r>
-                        <a:rPr lang="en-US" dirty="0" err="1"/>
-                        <a:t>cid</a:t>
+                        <a:rPr lang="en-US" sz="1200" dirty="0" err="1"/>
+                        <a:t>Customer_id</a:t>
                       </a:r>
                       <a:r>
-                        <a:rPr lang="en-US" dirty="0"/>
+                        <a:rPr lang="en-US" sz="1200" dirty="0"/>
                         <a:t>: int</a:t>
                       </a:r>
                     </a:p>
@@ -5022,7 +5259,7 @@
                   </a:ext>
                 </a:extLst>
               </a:tr>
-              <a:tr h="467246">
+              <a:tr h="326535">
                 <a:tc>
                   <a:txBody>
                     <a:bodyPr/>
@@ -5030,8 +5267,8 @@
                     <a:p>
                       <a:pPr algn="ctr"/>
                       <a:r>
-                        <a:rPr lang="en-US" dirty="0"/>
-                        <a:t>time: str</a:t>
+                        <a:rPr lang="en-US" sz="1200" dirty="0"/>
+                        <a:t>time: datetime</a:t>
                       </a:r>
                     </a:p>
                   </a:txBody>
@@ -5043,7 +5280,7 @@
                   </a:ext>
                 </a:extLst>
               </a:tr>
-              <a:tr h="467246">
+              <a:tr h="326535">
                 <a:tc>
                   <a:txBody>
                     <a:bodyPr/>
@@ -5051,28 +5288,8 @@
                     <a:p>
                       <a:pPr algn="ctr"/>
                       <a:r>
-                        <a:rPr lang="en-US" dirty="0">
-                          <a:solidFill>
-                            <a:srgbClr val="FF0000"/>
-                          </a:solidFill>
-                        </a:rPr>
-                        <a:t>Products: list(</a:t>
-                      </a:r>
-                      <a:r>
-                        <a:rPr lang="en-US" dirty="0" err="1">
-                          <a:solidFill>
-                            <a:srgbClr val="FF0000"/>
-                          </a:solidFill>
-                        </a:rPr>
-                        <a:t>dict</a:t>
-                      </a:r>
-                      <a:r>
-                        <a:rPr lang="en-US" dirty="0">
-                          <a:solidFill>
-                            <a:srgbClr val="FF0000"/>
-                          </a:solidFill>
-                        </a:rPr>
-                        <a:t>)</a:t>
+                        <a:rPr lang="en-US" sz="1200" dirty="0"/>
+                        <a:t>Status: cat</a:t>
                       </a:r>
                     </a:p>
                   </a:txBody>
@@ -5084,33 +5301,48 @@
                   </a:ext>
                 </a:extLst>
               </a:tr>
-              <a:tr h="467246">
-                <a:tc>
-                  <a:txBody>
-                    <a:bodyPr/>
-                    <a:lstStyle/>
-                    <a:p>
-                      <a:pPr algn="ctr"/>
+              <a:tr h="326535">
+                <a:tc>
+                  <a:txBody>
+                    <a:bodyPr/>
+                    <a:lstStyle/>
+                    <a:p>
+                      <a:pPr marL="0" marR="0" lvl="0" indent="0" algn="ctr" defTabSz="914400" rtl="0" eaLnBrk="1" fontAlgn="auto" latinLnBrk="0" hangingPunct="1">
+                        <a:lnSpc>
+                          <a:spcPct val="100000"/>
+                        </a:lnSpc>
+                        <a:spcBef>
+                          <a:spcPts val="0"/>
+                        </a:spcBef>
+                        <a:spcAft>
+                          <a:spcPts val="0"/>
+                        </a:spcAft>
+                        <a:buClrTx/>
+                        <a:buSzTx/>
+                        <a:buFontTx/>
+                        <a:buNone/>
+                        <a:tabLst/>
+                        <a:defRPr/>
+                      </a:pPr>
                       <a:r>
-                        <a:rPr lang="en-US" dirty="0"/>
-                        <a:t>Status: </a:t>
+                        <a:rPr lang="en-US" sz="1200" dirty="0" err="1"/>
+                        <a:t>Pay_method</a:t>
                       </a:r>
                       <a:r>
-                        <a:rPr lang="en-US" dirty="0" err="1"/>
-                        <a:t>enum</a:t>
+                        <a:rPr lang="en-US" sz="1200" dirty="0"/>
+                        <a:t>: cat</a:t>
                       </a:r>
-                      <a:endParaRPr lang="en-US" dirty="0"/>
                     </a:p>
                   </a:txBody>
                   <a:tcPr anchor="ctr"/>
                 </a:tc>
                 <a:extLst>
                   <a:ext uri="{0D108BD9-81ED-4DB2-BD59-A6C34878D82A}">
-                    <a16:rowId xmlns:a16="http://schemas.microsoft.com/office/drawing/2014/main" val="4282684342"/>
+                    <a16:rowId xmlns:a16="http://schemas.microsoft.com/office/drawing/2014/main" val="3047220543"/>
                   </a:ext>
                 </a:extLst>
               </a:tr>
-              <a:tr h="467246">
+              <a:tr h="326535">
                 <a:tc>
                   <a:txBody>
                     <a:bodyPr/>
@@ -5118,43 +5350,202 @@
                     <a:p>
                       <a:pPr algn="ctr"/>
                       <a:r>
-                        <a:rPr lang="en-US" dirty="0" err="1"/>
-                        <a:t>Pay_method</a:t>
+                        <a:rPr lang="en-US" sz="1200" dirty="0" err="1"/>
+                        <a:t>Ship_method</a:t>
                       </a:r>
                       <a:r>
-                        <a:rPr lang="en-US" dirty="0"/>
-                        <a:t>: </a:t>
+                        <a:rPr lang="en-US" sz="1200" dirty="0"/>
+                        <a:t>: cat</a:t>
                       </a:r>
-                      <a:r>
-                        <a:rPr lang="en-US" dirty="0" err="1"/>
-                        <a:t>enum</a:t>
-                      </a:r>
-                      <a:endParaRPr lang="en-US" dirty="0"/>
                     </a:p>
                   </a:txBody>
                   <a:tcPr anchor="ctr"/>
                 </a:tc>
                 <a:extLst>
                   <a:ext uri="{0D108BD9-81ED-4DB2-BD59-A6C34878D82A}">
-                    <a16:rowId xmlns:a16="http://schemas.microsoft.com/office/drawing/2014/main" val="446617752"/>
+                    <a16:rowId xmlns:a16="http://schemas.microsoft.com/office/drawing/2014/main" val="643460948"/>
                   </a:ext>
                 </a:extLst>
               </a:tr>
-              <a:tr h="467246">
-                <a:tc>
-                  <a:txBody>
-                    <a:bodyPr/>
-                    <a:lstStyle/>
-                    <a:p>
-                      <a:pPr algn="ctr"/>
-                      <a:endParaRPr lang="en-US" dirty="0"/>
+              <a:tr h="326535">
+                <a:tc>
+                  <a:txBody>
+                    <a:bodyPr/>
+                    <a:lstStyle/>
+                    <a:p>
+                      <a:pPr algn="ctr"/>
+                      <a:r>
+                        <a:rPr lang="en-US" sz="1200" dirty="0" err="1"/>
+                        <a:t>Ship_status</a:t>
+                      </a:r>
+                      <a:r>
+                        <a:rPr lang="en-US" sz="1200" dirty="0"/>
+                        <a:t>: cat</a:t>
+                      </a:r>
                     </a:p>
                   </a:txBody>
                   <a:tcPr anchor="ctr"/>
                 </a:tc>
                 <a:extLst>
                   <a:ext uri="{0D108BD9-81ED-4DB2-BD59-A6C34878D82A}">
-                    <a16:rowId xmlns:a16="http://schemas.microsoft.com/office/drawing/2014/main" val="3047220543"/>
+                    <a16:rowId xmlns:a16="http://schemas.microsoft.com/office/drawing/2014/main" val="2455291902"/>
+                  </a:ext>
+                </a:extLst>
+              </a:tr>
+              <a:tr h="326535">
+                <a:tc>
+                  <a:txBody>
+                    <a:bodyPr/>
+                    <a:lstStyle/>
+                    <a:p>
+                      <a:pPr algn="ctr"/>
+                      <a:r>
+                        <a:rPr lang="en-US" sz="1200" dirty="0" err="1"/>
+                        <a:t>Total_price</a:t>
+                      </a:r>
+                      <a:r>
+                        <a:rPr lang="en-US" sz="1200" dirty="0"/>
+                        <a:t>: $</a:t>
+                      </a:r>
+                    </a:p>
+                  </a:txBody>
+                  <a:tcPr anchor="ctr"/>
+                </a:tc>
+                <a:extLst>
+                  <a:ext uri="{0D108BD9-81ED-4DB2-BD59-A6C34878D82A}">
+                    <a16:rowId xmlns:a16="http://schemas.microsoft.com/office/drawing/2014/main" val="3692199895"/>
+                  </a:ext>
+                </a:extLst>
+              </a:tr>
+              <a:tr h="326535">
+                <a:tc>
+                  <a:txBody>
+                    <a:bodyPr/>
+                    <a:lstStyle/>
+                    <a:p>
+                      <a:pPr algn="ctr"/>
+                      <a:r>
+                        <a:rPr lang="en-US" sz="1200" dirty="0"/>
+                        <a:t>Tax: $</a:t>
+                      </a:r>
+                    </a:p>
+                  </a:txBody>
+                  <a:tcPr anchor="ctr"/>
+                </a:tc>
+                <a:extLst>
+                  <a:ext uri="{0D108BD9-81ED-4DB2-BD59-A6C34878D82A}">
+                    <a16:rowId xmlns:a16="http://schemas.microsoft.com/office/drawing/2014/main" val="2970838342"/>
+                  </a:ext>
+                </a:extLst>
+              </a:tr>
+              <a:tr h="326535">
+                <a:tc>
+                  <a:txBody>
+                    <a:bodyPr/>
+                    <a:lstStyle/>
+                    <a:p>
+                      <a:pPr algn="ctr"/>
+                      <a:r>
+                        <a:rPr lang="en-US" sz="1200" dirty="0" err="1"/>
+                        <a:t>Ship_fee</a:t>
+                      </a:r>
+                      <a:r>
+                        <a:rPr lang="en-US" sz="1200" dirty="0"/>
+                        <a:t>: $</a:t>
+                      </a:r>
+                    </a:p>
+                  </a:txBody>
+                  <a:tcPr anchor="ctr"/>
+                </a:tc>
+                <a:extLst>
+                  <a:ext uri="{0D108BD9-81ED-4DB2-BD59-A6C34878D82A}">
+                    <a16:rowId xmlns:a16="http://schemas.microsoft.com/office/drawing/2014/main" val="1753031808"/>
+                  </a:ext>
+                </a:extLst>
+              </a:tr>
+              <a:tr h="326535">
+                <a:tc>
+                  <a:txBody>
+                    <a:bodyPr/>
+                    <a:lstStyle/>
+                    <a:p>
+                      <a:pPr algn="ctr"/>
+                      <a:r>
+                        <a:rPr lang="en-US" sz="1200" dirty="0" err="1"/>
+                        <a:t>Pay_agent</a:t>
+                      </a:r>
+                      <a:r>
+                        <a:rPr lang="en-US" sz="1200" dirty="0"/>
+                        <a:t>: str</a:t>
+                      </a:r>
+                    </a:p>
+                  </a:txBody>
+                  <a:tcPr anchor="ctr"/>
+                </a:tc>
+                <a:extLst>
+                  <a:ext uri="{0D108BD9-81ED-4DB2-BD59-A6C34878D82A}">
+                    <a16:rowId xmlns:a16="http://schemas.microsoft.com/office/drawing/2014/main" val="1290084605"/>
+                  </a:ext>
+                </a:extLst>
+              </a:tr>
+              <a:tr h="326535">
+                <a:tc>
+                  <a:txBody>
+                    <a:bodyPr/>
+                    <a:lstStyle/>
+                    <a:p>
+                      <a:pPr algn="ctr"/>
+                      <a:r>
+                        <a:rPr lang="en-US" sz="1200" dirty="0" err="1"/>
+                        <a:t>Pay_deposit_bank</a:t>
+                      </a:r>
+                      <a:r>
+                        <a:rPr lang="en-US" sz="1200" dirty="0"/>
+                        <a:t>: cat</a:t>
+                      </a:r>
+                    </a:p>
+                  </a:txBody>
+                  <a:tcPr anchor="ctr"/>
+                </a:tc>
+                <a:extLst>
+                  <a:ext uri="{0D108BD9-81ED-4DB2-BD59-A6C34878D82A}">
+                    <a16:rowId xmlns:a16="http://schemas.microsoft.com/office/drawing/2014/main" val="1838809161"/>
+                  </a:ext>
+                </a:extLst>
+              </a:tr>
+              <a:tr h="326535">
+                <a:tc>
+                  <a:txBody>
+                    <a:bodyPr/>
+                    <a:lstStyle/>
+                    <a:p>
+                      <a:pPr algn="ctr"/>
+                      <a:endParaRPr lang="en-US" sz="1200" dirty="0"/>
+                    </a:p>
+                  </a:txBody>
+                  <a:tcPr anchor="ctr"/>
+                </a:tc>
+                <a:extLst>
+                  <a:ext uri="{0D108BD9-81ED-4DB2-BD59-A6C34878D82A}">
+                    <a16:rowId xmlns:a16="http://schemas.microsoft.com/office/drawing/2014/main" val="3726293520"/>
+                  </a:ext>
+                </a:extLst>
+              </a:tr>
+              <a:tr h="326535">
+                <a:tc>
+                  <a:txBody>
+                    <a:bodyPr/>
+                    <a:lstStyle/>
+                    <a:p>
+                      <a:pPr algn="ctr"/>
+                      <a:endParaRPr lang="en-US" sz="1200" dirty="0"/>
+                    </a:p>
+                  </a:txBody>
+                  <a:tcPr anchor="ctr"/>
+                </a:tc>
+                <a:extLst>
+                  <a:ext uri="{0D108BD9-81ED-4DB2-BD59-A6C34878D82A}">
+                    <a16:rowId xmlns:a16="http://schemas.microsoft.com/office/drawing/2014/main" val="2672484426"/>
                   </a:ext>
                 </a:extLst>
               </a:tr>
@@ -5173,13 +5564,15 @@
           </p:cNvPr>
           <p:cNvCxnSpPr>
             <a:cxnSpLocks/>
+            <a:stCxn id="5" idx="1"/>
+            <a:endCxn id="4" idx="3"/>
           </p:cNvCxnSpPr>
           <p:nvPr/>
         </p:nvCxnSpPr>
         <p:spPr>
-          <a:xfrm rot="10800000">
-            <a:off x="2222809" y="1230887"/>
-            <a:ext cx="858480" cy="497552"/>
+          <a:xfrm rot="10800000" flipV="1">
+            <a:off x="2015014" y="3056233"/>
+            <a:ext cx="617921" cy="228855"/>
           </a:xfrm>
           <a:prstGeom prst="bentConnector3">
             <a:avLst>
@@ -5216,7 +5609,7 @@
         </p:nvSpPr>
         <p:spPr>
           <a:xfrm>
-            <a:off x="2207945" y="892098"/>
+            <a:off x="2084165" y="1921366"/>
             <a:ext cx="479618" cy="369332"/>
           </a:xfrm>
           <a:prstGeom prst="rect">
@@ -5252,7 +5645,7 @@
         <p:spPr>
           <a:xfrm>
             <a:off x="71919" y="71920"/>
-            <a:ext cx="982961" cy="369332"/>
+            <a:ext cx="2007665" cy="369332"/>
           </a:xfrm>
           <a:prstGeom prst="rect">
             <a:avLst/>
@@ -5267,7 +5660,7 @@
           <a:p>
             <a:r>
               <a:rPr lang="en-US" dirty="0"/>
-              <a:t>Schema:</a:t>
+              <a:t>Schema: *required</a:t>
             </a:r>
           </a:p>
         </p:txBody>
@@ -5287,14 +5680,14 @@
           <p:nvPr>
             <p:extLst>
               <p:ext uri="{D42A27DB-BD31-4B8C-83A1-F6EECF244321}">
-                <p14:modId xmlns:p14="http://schemas.microsoft.com/office/powerpoint/2010/main" val="2075731509"/>
+                <p14:modId xmlns:p14="http://schemas.microsoft.com/office/powerpoint/2010/main" val="1166409411"/>
               </p:ext>
             </p:extLst>
           </p:nvPr>
         </p:nvGraphicFramePr>
         <p:xfrm>
-          <a:off x="5422085" y="541889"/>
-          <a:ext cx="1724886" cy="2803476"/>
+          <a:off x="6443133" y="541888"/>
+          <a:ext cx="1456582" cy="3497620"/>
         </p:xfrm>
         <a:graphic>
           <a:graphicData uri="http://schemas.openxmlformats.org/drawingml/2006/table">
@@ -5303,7 +5696,7 @@
                 <a:tableStyleId>{69012ECD-51FC-41F1-AA8D-1B2483CD663E}</a:tableStyleId>
               </a:tblPr>
               <a:tblGrid>
-                <a:gridCol w="1724886">
+                <a:gridCol w="1456582">
                   <a:extLst>
                     <a:ext uri="{9D8B030D-6E8A-4147-A177-3AD203B41FA5}">
                       <a16:colId xmlns:a16="http://schemas.microsoft.com/office/drawing/2014/main" val="3507364006"/>
@@ -5311,7 +5704,7 @@
                   </a:extLst>
                 </a:gridCol>
               </a:tblGrid>
-              <a:tr h="467246">
+              <a:tr h="349762">
                 <a:tc>
                   <a:txBody>
                     <a:bodyPr/>
@@ -5319,7 +5712,7 @@
                     <a:p>
                       <a:pPr algn="ctr"/>
                       <a:r>
-                        <a:rPr lang="en-US" dirty="0"/>
+                        <a:rPr lang="en-US" sz="1200" dirty="0"/>
                         <a:t>product</a:t>
                       </a:r>
                     </a:p>
@@ -5332,7 +5725,7 @@
                   </a:ext>
                 </a:extLst>
               </a:tr>
-              <a:tr h="467246">
+              <a:tr h="349762">
                 <a:tc>
                   <a:txBody>
                     <a:bodyPr/>
@@ -5340,7 +5733,7 @@
                     <a:p>
                       <a:pPr algn="ctr"/>
                       <a:r>
-                        <a:rPr lang="en-US" dirty="0"/>
+                        <a:rPr lang="en-US" sz="1200" dirty="0"/>
                         <a:t>id: int</a:t>
                       </a:r>
                     </a:p>
@@ -5353,7 +5746,7 @@
                   </a:ext>
                 </a:extLst>
               </a:tr>
-              <a:tr h="467246">
+              <a:tr h="349762">
                 <a:tc>
                   <a:txBody>
                     <a:bodyPr/>
@@ -5361,7 +5754,28 @@
                     <a:p>
                       <a:pPr algn="ctr"/>
                       <a:r>
-                        <a:rPr lang="en-US" dirty="0"/>
+                        <a:rPr lang="en-US" sz="1200" dirty="0"/>
+                        <a:t>Name: str</a:t>
+                      </a:r>
+                    </a:p>
+                  </a:txBody>
+                  <a:tcPr anchor="ctr"/>
+                </a:tc>
+                <a:extLst>
+                  <a:ext uri="{0D108BD9-81ED-4DB2-BD59-A6C34878D82A}">
+                    <a16:rowId xmlns:a16="http://schemas.microsoft.com/office/drawing/2014/main" val="4179956915"/>
+                  </a:ext>
+                </a:extLst>
+              </a:tr>
+              <a:tr h="349762">
+                <a:tc>
+                  <a:txBody>
+                    <a:bodyPr/>
+                    <a:lstStyle/>
+                    <a:p>
+                      <a:pPr algn="ctr"/>
+                      <a:r>
+                        <a:rPr lang="en-US" sz="1200" dirty="0"/>
                         <a:t>description: str</a:t>
                       </a:r>
                     </a:p>
@@ -5374,7 +5788,7 @@
                   </a:ext>
                 </a:extLst>
               </a:tr>
-              <a:tr h="467246">
+              <a:tr h="349762">
                 <a:tc>
                   <a:txBody>
                     <a:bodyPr/>
@@ -5382,8 +5796,8 @@
                     <a:p>
                       <a:pPr algn="ctr"/>
                       <a:r>
-                        <a:rPr lang="en-US" dirty="0"/>
-                        <a:t>media: image</a:t>
+                        <a:rPr lang="en-US" sz="1200" dirty="0"/>
+                        <a:t>media: images</a:t>
                       </a:r>
                     </a:p>
                   </a:txBody>
@@ -5395,14 +5809,17 @@
                   </a:ext>
                 </a:extLst>
               </a:tr>
-              <a:tr h="467246">
-                <a:tc>
-                  <a:txBody>
-                    <a:bodyPr/>
-                    <a:lstStyle/>
-                    <a:p>
-                      <a:pPr algn="ctr"/>
-                      <a:endParaRPr lang="en-US" dirty="0"/>
+              <a:tr h="349762">
+                <a:tc>
+                  <a:txBody>
+                    <a:bodyPr/>
+                    <a:lstStyle/>
+                    <a:p>
+                      <a:pPr algn="ctr"/>
+                      <a:r>
+                        <a:rPr lang="en-US" sz="1200" dirty="0"/>
+                        <a:t>unit: str</a:t>
+                      </a:r>
                     </a:p>
                   </a:txBody>
                   <a:tcPr anchor="ctr"/>
@@ -5413,14 +5830,14 @@
                   </a:ext>
                 </a:extLst>
               </a:tr>
-              <a:tr h="467246">
-                <a:tc>
-                  <a:txBody>
-                    <a:bodyPr/>
-                    <a:lstStyle/>
-                    <a:p>
-                      <a:pPr algn="ctr"/>
-                      <a:endParaRPr lang="en-US" dirty="0"/>
+              <a:tr h="349762">
+                <a:tc>
+                  <a:txBody>
+                    <a:bodyPr/>
+                    <a:lstStyle/>
+                    <a:p>
+                      <a:pPr algn="ctr"/>
+                      <a:endParaRPr lang="en-US" sz="1200" dirty="0"/>
                     </a:p>
                   </a:txBody>
                   <a:tcPr anchor="ctr"/>
@@ -5428,6 +5845,60 @@
                 <a:extLst>
                   <a:ext uri="{0D108BD9-81ED-4DB2-BD59-A6C34878D82A}">
                     <a16:rowId xmlns:a16="http://schemas.microsoft.com/office/drawing/2014/main" val="4282684342"/>
+                  </a:ext>
+                </a:extLst>
+              </a:tr>
+              <a:tr h="349762">
+                <a:tc>
+                  <a:txBody>
+                    <a:bodyPr/>
+                    <a:lstStyle/>
+                    <a:p>
+                      <a:pPr algn="ctr"/>
+                      <a:endParaRPr lang="en-US" sz="1200" dirty="0"/>
+                    </a:p>
+                  </a:txBody>
+                  <a:tcPr anchor="ctr"/>
+                </a:tc>
+                <a:extLst>
+                  <a:ext uri="{0D108BD9-81ED-4DB2-BD59-A6C34878D82A}">
+                    <a16:rowId xmlns:a16="http://schemas.microsoft.com/office/drawing/2014/main" val="3657379954"/>
+                  </a:ext>
+                </a:extLst>
+              </a:tr>
+              <a:tr h="349762">
+                <a:tc>
+                  <a:txBody>
+                    <a:bodyPr/>
+                    <a:lstStyle/>
+                    <a:p>
+                      <a:pPr algn="ctr"/>
+                      <a:endParaRPr lang="en-US" sz="1200" dirty="0"/>
+                    </a:p>
+                  </a:txBody>
+                  <a:tcPr anchor="ctr"/>
+                </a:tc>
+                <a:extLst>
+                  <a:ext uri="{0D108BD9-81ED-4DB2-BD59-A6C34878D82A}">
+                    <a16:rowId xmlns:a16="http://schemas.microsoft.com/office/drawing/2014/main" val="3839952112"/>
+                  </a:ext>
+                </a:extLst>
+              </a:tr>
+              <a:tr h="349762">
+                <a:tc>
+                  <a:txBody>
+                    <a:bodyPr/>
+                    <a:lstStyle/>
+                    <a:p>
+                      <a:pPr algn="ctr"/>
+                      <a:endParaRPr lang="en-US" sz="1200" dirty="0"/>
+                    </a:p>
+                  </a:txBody>
+                  <a:tcPr anchor="ctr"/>
+                </a:tc>
+                <a:extLst>
+                  <a:ext uri="{0D108BD9-81ED-4DB2-BD59-A6C34878D82A}">
+                    <a16:rowId xmlns:a16="http://schemas.microsoft.com/office/drawing/2014/main" val="3379189461"/>
                   </a:ext>
                 </a:extLst>
               </a:tr>
@@ -5449,8 +5920,8 @@
         </p:nvSpPr>
         <p:spPr>
           <a:xfrm>
-            <a:off x="7633699" y="100101"/>
-            <a:ext cx="4068566" cy="5355312"/>
+            <a:off x="9554965" y="100101"/>
+            <a:ext cx="2565116" cy="4339650"/>
           </a:xfrm>
           <a:prstGeom prst="rect">
             <a:avLst/>
@@ -5464,184 +5935,430 @@
           <a:lstStyle/>
           <a:p>
             <a:r>
-              <a:rPr lang="en-US" dirty="0"/>
+              <a:rPr lang="en-US" sz="1200" dirty="0"/>
               <a:t>Customer location:</a:t>
             </a:r>
           </a:p>
           <a:p>
             <a:r>
-              <a:rPr lang="en-US" dirty="0"/>
+              <a:rPr lang="en-US" sz="1200" dirty="0"/>
               <a:t>{stony-brook, flushing, </a:t>
             </a:r>
             <a:r>
-              <a:rPr lang="en-US" dirty="0" err="1"/>
+              <a:rPr lang="en-US" sz="1200" dirty="0" err="1"/>
               <a:t>jaricho</a:t>
             </a:r>
             <a:r>
-              <a:rPr lang="en-US" dirty="0"/>
+              <a:rPr lang="en-US" sz="1200" dirty="0"/>
               <a:t>, Manhattan, ..}</a:t>
             </a:r>
           </a:p>
           <a:p>
-            <a:endParaRPr lang="en-US" dirty="0"/>
-          </a:p>
-          <a:p>
-            <a:r>
-              <a:rPr lang="en-US" dirty="0"/>
-              <a:t>Customer location:</a:t>
-            </a:r>
-          </a:p>
-          <a:p>
-            <a:r>
-              <a:rPr lang="en-US" dirty="0"/>
-              <a:t>{household, agent-wholesale, restaurant, </a:t>
-            </a:r>
-          </a:p>
-          <a:p>
-            <a:r>
-              <a:rPr lang="en-US" dirty="0"/>
-              <a:t>Supermarket, …}</a:t>
-            </a:r>
-          </a:p>
-          <a:p>
-            <a:endParaRPr lang="en-US" dirty="0"/>
-          </a:p>
-          <a:p>
-            <a:r>
-              <a:rPr lang="en-US" dirty="0"/>
+            <a:endParaRPr lang="en-US" sz="1200" dirty="0"/>
+          </a:p>
+          <a:p>
+            <a:r>
+              <a:rPr lang="en-US" sz="1200" dirty="0"/>
+              <a:t>Customer label:</a:t>
+            </a:r>
+          </a:p>
+          <a:p>
+            <a:r>
+              <a:rPr lang="en-US" sz="1200" dirty="0"/>
+              <a:t>{household, agent-wholesale, restaurant, Supermarket. individual, …}</a:t>
+            </a:r>
+          </a:p>
+          <a:p>
+            <a:endParaRPr lang="en-US" sz="1200" dirty="0"/>
+          </a:p>
+          <a:p>
+            <a:r>
+              <a:rPr lang="en-US" sz="1200" dirty="0"/>
               <a:t>Sales: status:</a:t>
             </a:r>
           </a:p>
           <a:p>
             <a:r>
-              <a:rPr lang="en-US" dirty="0"/>
-              <a:t>{“paid”, ”unpaid”, “cancelled”, …}</a:t>
-            </a:r>
-          </a:p>
-          <a:p>
-            <a:endParaRPr lang="en-US" dirty="0"/>
-          </a:p>
-          <a:p>
-            <a:r>
-              <a:rPr lang="en-US" dirty="0"/>
+              <a:rPr lang="en-US" sz="1200" dirty="0"/>
+              <a:t>{“paid”, ”unpaid”, “cancelled”, “returned”, …}</a:t>
+            </a:r>
+          </a:p>
+          <a:p>
+            <a:endParaRPr lang="en-US" sz="1200" dirty="0"/>
+          </a:p>
+          <a:p>
+            <a:r>
+              <a:rPr lang="en-US" sz="1200" dirty="0"/>
               <a:t>Sales: products: </a:t>
             </a:r>
           </a:p>
           <a:p>
             <a:r>
-              <a:rPr lang="en-US" dirty="0"/>
+              <a:rPr lang="en-US" sz="1200" dirty="0"/>
               <a:t>[{“</a:t>
             </a:r>
             <a:r>
-              <a:rPr lang="en-US" dirty="0" err="1"/>
+              <a:rPr lang="en-US" sz="1200" dirty="0" err="1"/>
               <a:t>product_id</a:t>
             </a:r>
             <a:r>
-              <a:rPr lang="en-US" dirty="0"/>
+              <a:rPr lang="en-US" sz="1200" dirty="0"/>
               <a:t>”: xxx, “</a:t>
             </a:r>
             <a:r>
-              <a:rPr lang="en-US" dirty="0" err="1"/>
+              <a:rPr lang="en-US" sz="1200" dirty="0" err="1"/>
               <a:t>product_name</a:t>
             </a:r>
             <a:r>
-              <a:rPr lang="en-US" dirty="0"/>
+              <a:rPr lang="en-US" sz="1200" dirty="0"/>
               <a:t>”: “xxx”, “quantity”: 2, “unit”: “</a:t>
             </a:r>
             <a:r>
-              <a:rPr lang="en-US" dirty="0" err="1"/>
+              <a:rPr lang="en-US" sz="1200" dirty="0" err="1"/>
               <a:t>lb</a:t>
             </a:r>
             <a:r>
-              <a:rPr lang="en-US" dirty="0"/>
+              <a:rPr lang="en-US" sz="1200" dirty="0"/>
               <a:t>”, “</a:t>
             </a:r>
             <a:r>
-              <a:rPr lang="en-US" dirty="0" err="1"/>
+              <a:rPr lang="en-US" sz="1200" dirty="0" err="1"/>
               <a:t>unit_price</a:t>
             </a:r>
             <a:r>
-              <a:rPr lang="en-US" dirty="0"/>
+              <a:rPr lang="en-US" sz="1200" dirty="0"/>
               <a:t>”: $7, “total price”: $14}, …]</a:t>
             </a:r>
           </a:p>
           <a:p>
-            <a:endParaRPr lang="en-US" dirty="0"/>
-          </a:p>
-          <a:p>
-            <a:endParaRPr lang="en-US" dirty="0"/>
-          </a:p>
-          <a:p>
-            <a:r>
-              <a:rPr lang="en-US" dirty="0"/>
+            <a:endParaRPr lang="en-US" sz="1200" dirty="0"/>
+          </a:p>
+          <a:p>
+            <a:endParaRPr lang="en-US" sz="1200" dirty="0"/>
+          </a:p>
+          <a:p>
+            <a:r>
+              <a:rPr lang="en-US" sz="1200" dirty="0"/>
               <a:t>Sales: </a:t>
             </a:r>
             <a:r>
-              <a:rPr lang="en-US" dirty="0" err="1"/>
+              <a:rPr lang="en-US" sz="1200" dirty="0" err="1"/>
               <a:t>Pay_method</a:t>
             </a:r>
             <a:r>
-              <a:rPr lang="en-US" dirty="0"/>
+              <a:rPr lang="en-US" sz="1200" dirty="0"/>
               <a:t>: </a:t>
             </a:r>
           </a:p>
           <a:p>
             <a:r>
-              <a:rPr lang="en-US" dirty="0"/>
+              <a:rPr lang="en-US" sz="1200" dirty="0"/>
               <a:t>{“cash”, “credit card”, “</a:t>
             </a:r>
             <a:r>
-              <a:rPr lang="en-US" dirty="0" err="1"/>
+              <a:rPr lang="en-US" sz="1200" dirty="0" err="1"/>
               <a:t>zelle</a:t>
             </a:r>
             <a:r>
-              <a:rPr lang="en-US" dirty="0"/>
-              <a:t>”, “agent”, …}</a:t>
-            </a:r>
-          </a:p>
-        </p:txBody>
-      </p:sp>
+              <a:rPr lang="en-US" sz="1200" dirty="0"/>
+              <a:t>”, “agent”, “check”, …}</a:t>
+            </a:r>
+          </a:p>
+        </p:txBody>
+      </p:sp>
+      <p:graphicFrame>
+        <p:nvGraphicFramePr>
+          <p:cNvPr id="26" name="Table 25">
+            <a:extLst>
+              <a:ext uri="{FF2B5EF4-FFF2-40B4-BE49-F238E27FC236}">
+                <a16:creationId xmlns:a16="http://schemas.microsoft.com/office/drawing/2014/main" id="{06F25050-7291-2B6C-946E-A606417772D0}"/>
+              </a:ext>
+            </a:extLst>
+          </p:cNvPr>
+          <p:cNvGraphicFramePr>
+            <a:graphicFrameLocks noGrp="1"/>
+          </p:cNvGraphicFramePr>
+          <p:nvPr>
+            <p:extLst>
+              <p:ext uri="{D42A27DB-BD31-4B8C-83A1-F6EECF244321}">
+                <p14:modId xmlns:p14="http://schemas.microsoft.com/office/powerpoint/2010/main" val="2038021997"/>
+              </p:ext>
+            </p:extLst>
+          </p:nvPr>
+        </p:nvGraphicFramePr>
+        <p:xfrm>
+          <a:off x="4579051" y="541888"/>
+          <a:ext cx="1456582" cy="3605058"/>
+        </p:xfrm>
+        <a:graphic>
+          <a:graphicData uri="http://schemas.openxmlformats.org/drawingml/2006/table">
+            <a:tbl>
+              <a:tblPr firstRow="1" bandRow="1">
+                <a:tableStyleId>{69012ECD-51FC-41F1-AA8D-1B2483CD663E}</a:tableStyleId>
+              </a:tblPr>
+              <a:tblGrid>
+                <a:gridCol w="1456582">
+                  <a:extLst>
+                    <a:ext uri="{9D8B030D-6E8A-4147-A177-3AD203B41FA5}">
+                      <a16:colId xmlns:a16="http://schemas.microsoft.com/office/drawing/2014/main" val="3507364006"/>
+                    </a:ext>
+                  </a:extLst>
+                </a:gridCol>
+              </a:tblGrid>
+              <a:tr h="349762">
+                <a:tc>
+                  <a:txBody>
+                    <a:bodyPr/>
+                    <a:lstStyle/>
+                    <a:p>
+                      <a:pPr algn="ctr"/>
+                      <a:r>
+                        <a:rPr lang="en-US" sz="1200" dirty="0"/>
+                        <a:t>sales</a:t>
+                      </a:r>
+                    </a:p>
+                  </a:txBody>
+                  <a:tcPr anchor="ctr"/>
+                </a:tc>
+                <a:extLst>
+                  <a:ext uri="{0D108BD9-81ED-4DB2-BD59-A6C34878D82A}">
+                    <a16:rowId xmlns:a16="http://schemas.microsoft.com/office/drawing/2014/main" val="936302315"/>
+                  </a:ext>
+                </a:extLst>
+              </a:tr>
+              <a:tr h="349762">
+                <a:tc>
+                  <a:txBody>
+                    <a:bodyPr/>
+                    <a:lstStyle/>
+                    <a:p>
+                      <a:pPr algn="ctr"/>
+                      <a:r>
+                        <a:rPr lang="en-US" sz="1200" dirty="0"/>
+                        <a:t>id: int</a:t>
+                      </a:r>
+                    </a:p>
+                  </a:txBody>
+                  <a:tcPr anchor="ctr"/>
+                </a:tc>
+                <a:extLst>
+                  <a:ext uri="{0D108BD9-81ED-4DB2-BD59-A6C34878D82A}">
+                    <a16:rowId xmlns:a16="http://schemas.microsoft.com/office/drawing/2014/main" val="226398911"/>
+                  </a:ext>
+                </a:extLst>
+              </a:tr>
+              <a:tr h="349762">
+                <a:tc>
+                  <a:txBody>
+                    <a:bodyPr/>
+                    <a:lstStyle/>
+                    <a:p>
+                      <a:pPr algn="ctr"/>
+                      <a:r>
+                        <a:rPr lang="en-US" sz="1200" dirty="0" err="1"/>
+                        <a:t>order_id</a:t>
+                      </a:r>
+                      <a:r>
+                        <a:rPr lang="en-US" sz="1200" dirty="0"/>
+                        <a:t>: int</a:t>
+                      </a:r>
+                    </a:p>
+                  </a:txBody>
+                  <a:tcPr anchor="ctr"/>
+                </a:tc>
+                <a:extLst>
+                  <a:ext uri="{0D108BD9-81ED-4DB2-BD59-A6C34878D82A}">
+                    <a16:rowId xmlns:a16="http://schemas.microsoft.com/office/drawing/2014/main" val="1247926334"/>
+                  </a:ext>
+                </a:extLst>
+              </a:tr>
+              <a:tr h="349762">
+                <a:tc>
+                  <a:txBody>
+                    <a:bodyPr/>
+                    <a:lstStyle/>
+                    <a:p>
+                      <a:pPr algn="ctr"/>
+                      <a:r>
+                        <a:rPr lang="en-US" sz="1200" dirty="0" err="1"/>
+                        <a:t>product_id</a:t>
+                      </a:r>
+                      <a:r>
+                        <a:rPr lang="en-US" sz="1200" dirty="0"/>
+                        <a:t>: int</a:t>
+                      </a:r>
+                    </a:p>
+                  </a:txBody>
+                  <a:tcPr anchor="ctr"/>
+                </a:tc>
+                <a:extLst>
+                  <a:ext uri="{0D108BD9-81ED-4DB2-BD59-A6C34878D82A}">
+                    <a16:rowId xmlns:a16="http://schemas.microsoft.com/office/drawing/2014/main" val="3965364580"/>
+                  </a:ext>
+                </a:extLst>
+              </a:tr>
+              <a:tr h="349762">
+                <a:tc>
+                  <a:txBody>
+                    <a:bodyPr/>
+                    <a:lstStyle/>
+                    <a:p>
+                      <a:pPr algn="ctr"/>
+                      <a:r>
+                        <a:rPr lang="en-US" sz="1200" dirty="0" err="1"/>
+                        <a:t>product_price</a:t>
+                      </a:r>
+                      <a:r>
+                        <a:rPr lang="en-US" sz="1200" dirty="0"/>
+                        <a:t>: $</a:t>
+                      </a:r>
+                    </a:p>
+                  </a:txBody>
+                  <a:tcPr anchor="ctr"/>
+                </a:tc>
+                <a:extLst>
+                  <a:ext uri="{0D108BD9-81ED-4DB2-BD59-A6C34878D82A}">
+                    <a16:rowId xmlns:a16="http://schemas.microsoft.com/office/drawing/2014/main" val="505019232"/>
+                  </a:ext>
+                </a:extLst>
+              </a:tr>
+              <a:tr h="349762">
+                <a:tc>
+                  <a:txBody>
+                    <a:bodyPr/>
+                    <a:lstStyle/>
+                    <a:p>
+                      <a:pPr algn="ctr"/>
+                      <a:r>
+                        <a:rPr lang="en-US" sz="1200" dirty="0" err="1"/>
+                        <a:t>product_quantity</a:t>
+                      </a:r>
+                      <a:r>
+                        <a:rPr lang="en-US" sz="1200" dirty="0"/>
+                        <a:t>: float</a:t>
+                      </a:r>
+                    </a:p>
+                  </a:txBody>
+                  <a:tcPr anchor="ctr"/>
+                </a:tc>
+                <a:extLst>
+                  <a:ext uri="{0D108BD9-81ED-4DB2-BD59-A6C34878D82A}">
+                    <a16:rowId xmlns:a16="http://schemas.microsoft.com/office/drawing/2014/main" val="4282684342"/>
+                  </a:ext>
+                </a:extLst>
+              </a:tr>
+              <a:tr h="349762">
+                <a:tc>
+                  <a:txBody>
+                    <a:bodyPr/>
+                    <a:lstStyle/>
+                    <a:p>
+                      <a:pPr algn="ctr"/>
+                      <a:endParaRPr lang="en-US" sz="1200" dirty="0"/>
+                    </a:p>
+                  </a:txBody>
+                  <a:tcPr anchor="ctr"/>
+                </a:tc>
+                <a:extLst>
+                  <a:ext uri="{0D108BD9-81ED-4DB2-BD59-A6C34878D82A}">
+                    <a16:rowId xmlns:a16="http://schemas.microsoft.com/office/drawing/2014/main" val="658859434"/>
+                  </a:ext>
+                </a:extLst>
+              </a:tr>
+              <a:tr h="349762">
+                <a:tc>
+                  <a:txBody>
+                    <a:bodyPr/>
+                    <a:lstStyle/>
+                    <a:p>
+                      <a:pPr algn="ctr"/>
+                      <a:endParaRPr lang="en-US" sz="1200" dirty="0"/>
+                    </a:p>
+                  </a:txBody>
+                  <a:tcPr anchor="ctr"/>
+                </a:tc>
+                <a:extLst>
+                  <a:ext uri="{0D108BD9-81ED-4DB2-BD59-A6C34878D82A}">
+                    <a16:rowId xmlns:a16="http://schemas.microsoft.com/office/drawing/2014/main" val="2663410758"/>
+                  </a:ext>
+                </a:extLst>
+              </a:tr>
+              <a:tr h="349762">
+                <a:tc>
+                  <a:txBody>
+                    <a:bodyPr/>
+                    <a:lstStyle/>
+                    <a:p>
+                      <a:pPr algn="ctr"/>
+                      <a:endParaRPr lang="en-US" sz="1200" dirty="0"/>
+                    </a:p>
+                  </a:txBody>
+                  <a:tcPr anchor="ctr"/>
+                </a:tc>
+                <a:extLst>
+                  <a:ext uri="{0D108BD9-81ED-4DB2-BD59-A6C34878D82A}">
+                    <a16:rowId xmlns:a16="http://schemas.microsoft.com/office/drawing/2014/main" val="2432590630"/>
+                  </a:ext>
+                </a:extLst>
+              </a:tr>
+              <a:tr h="349762">
+                <a:tc>
+                  <a:txBody>
+                    <a:bodyPr/>
+                    <a:lstStyle/>
+                    <a:p>
+                      <a:pPr algn="ctr"/>
+                      <a:endParaRPr lang="en-US" sz="1200" dirty="0"/>
+                    </a:p>
+                  </a:txBody>
+                  <a:tcPr anchor="ctr"/>
+                </a:tc>
+                <a:extLst>
+                  <a:ext uri="{0D108BD9-81ED-4DB2-BD59-A6C34878D82A}">
+                    <a16:rowId xmlns:a16="http://schemas.microsoft.com/office/drawing/2014/main" val="2649319104"/>
+                  </a:ext>
+                </a:extLst>
+              </a:tr>
+            </a:tbl>
+          </a:graphicData>
+        </a:graphic>
+      </p:graphicFrame>
       <p:cxnSp>
         <p:nvCxnSpPr>
-          <p:cNvPr id="10" name="Elbow Connector 9">
-            <a:extLst>
-              <a:ext uri="{FF2B5EF4-FFF2-40B4-BE49-F238E27FC236}">
-                <a16:creationId xmlns:a16="http://schemas.microsoft.com/office/drawing/2014/main" id="{67CD0572-3078-418D-E95E-5AC2FDF5E9FE}"/>
+          <p:cNvPr id="27" name="Elbow Connector 26">
+            <a:extLst>
+              <a:ext uri="{FF2B5EF4-FFF2-40B4-BE49-F238E27FC236}">
+                <a16:creationId xmlns:a16="http://schemas.microsoft.com/office/drawing/2014/main" id="{1653335C-74D6-27E3-EB85-47A043FC1308}"/>
               </a:ext>
             </a:extLst>
           </p:cNvPr>
           <p:cNvCxnSpPr>
             <a:cxnSpLocks/>
-            <a:stCxn id="3" idx="1"/>
+            <a:stCxn id="26" idx="1"/>
             <a:endCxn id="5" idx="3"/>
           </p:cNvCxnSpPr>
           <p:nvPr/>
         </p:nvCxnSpPr>
         <p:spPr>
           <a:xfrm rot="10800000" flipV="1">
-            <a:off x="4806175" y="1943627"/>
-            <a:ext cx="615910" cy="640080"/>
+            <a:off x="4089517" y="2344416"/>
+            <a:ext cx="489535" cy="711817"/>
           </a:xfrm>
           <a:prstGeom prst="bentConnector3">
             <a:avLst>
               <a:gd name="adj1" fmla="val 50000"/>
             </a:avLst>
           </a:prstGeom>
-          <a:ln w="38100">
-            <a:solidFill>
-              <a:srgbClr val="FF0000"/>
-            </a:solidFill>
-          </a:ln>
         </p:spPr>
         <p:style>
-          <a:lnRef idx="1">
-            <a:schemeClr val="accent1"/>
+          <a:lnRef idx="3">
+            <a:schemeClr val="dk1"/>
           </a:lnRef>
           <a:fillRef idx="0">
-            <a:schemeClr val="accent1"/>
+            <a:schemeClr val="dk1"/>
           </a:fillRef>
-          <a:effectRef idx="0">
-            <a:schemeClr val="accent1"/>
+          <a:effectRef idx="2">
+            <a:schemeClr val="dk1"/>
           </a:effectRef>
           <a:fontRef idx="minor">
             <a:schemeClr val="tx1"/>
@@ -5650,10 +6367,10 @@
       </p:cxnSp>
       <p:sp>
         <p:nvSpPr>
-          <p:cNvPr id="13" name="TextBox 12">
-            <a:extLst>
-              <a:ext uri="{FF2B5EF4-FFF2-40B4-BE49-F238E27FC236}">
-                <a16:creationId xmlns:a16="http://schemas.microsoft.com/office/drawing/2014/main" id="{5E06561E-D4A3-8D0C-07EA-815B3AB064CD}"/>
+          <p:cNvPr id="28" name="TextBox 27">
+            <a:extLst>
+              <a:ext uri="{FF2B5EF4-FFF2-40B4-BE49-F238E27FC236}">
+                <a16:creationId xmlns:a16="http://schemas.microsoft.com/office/drawing/2014/main" id="{C859A3E7-42A9-6DBC-4BF6-3963AC3263FA}"/>
               </a:ext>
             </a:extLst>
           </p:cNvPr>
@@ -5662,8 +6379,8 @@
         </p:nvSpPr>
         <p:spPr>
           <a:xfrm>
-            <a:off x="4931597" y="1150707"/>
-            <a:ext cx="445956" cy="769441"/>
+            <a:off x="4094475" y="1152161"/>
+            <a:ext cx="479618" cy="369332"/>
           </a:xfrm>
           <a:prstGeom prst="rect">
             <a:avLst/>
@@ -5671,18 +6388,91 @@
           <a:noFill/>
         </p:spPr>
         <p:txBody>
-          <a:bodyPr wrap="none" rtlCol="0">
+          <a:bodyPr wrap="square" rtlCol="0">
             <a:spAutoFit/>
           </a:bodyPr>
           <a:lstStyle/>
           <a:p>
             <a:r>
-              <a:rPr lang="en-US" sz="4400" dirty="0">
-                <a:solidFill>
-                  <a:srgbClr val="FF0000"/>
-                </a:solidFill>
-              </a:rPr>
-              <a:t>?</a:t>
+              <a:rPr lang="en-US" dirty="0"/>
+              <a:t>1:*</a:t>
+            </a:r>
+          </a:p>
+        </p:txBody>
+      </p:sp>
+      <p:cxnSp>
+        <p:nvCxnSpPr>
+          <p:cNvPr id="31" name="Elbow Connector 30">
+            <a:extLst>
+              <a:ext uri="{FF2B5EF4-FFF2-40B4-BE49-F238E27FC236}">
+                <a16:creationId xmlns:a16="http://schemas.microsoft.com/office/drawing/2014/main" id="{8110DFD7-F2D5-7C1D-24B8-B7F983F01DF5}"/>
+              </a:ext>
+            </a:extLst>
+          </p:cNvPr>
+          <p:cNvCxnSpPr>
+            <a:cxnSpLocks/>
+            <a:stCxn id="26" idx="3"/>
+            <a:endCxn id="3" idx="1"/>
+          </p:cNvCxnSpPr>
+          <p:nvPr/>
+        </p:nvCxnSpPr>
+        <p:spPr>
+          <a:xfrm flipV="1">
+            <a:off x="6035633" y="2290698"/>
+            <a:ext cx="407500" cy="53719"/>
+          </a:xfrm>
+          <a:prstGeom prst="bentConnector3">
+            <a:avLst>
+              <a:gd name="adj1" fmla="val 50000"/>
+            </a:avLst>
+          </a:prstGeom>
+        </p:spPr>
+        <p:style>
+          <a:lnRef idx="3">
+            <a:schemeClr val="dk1"/>
+          </a:lnRef>
+          <a:fillRef idx="0">
+            <a:schemeClr val="dk1"/>
+          </a:fillRef>
+          <a:effectRef idx="2">
+            <a:schemeClr val="dk1"/>
+          </a:effectRef>
+          <a:fontRef idx="minor">
+            <a:schemeClr val="tx1"/>
+          </a:fontRef>
+        </p:style>
+      </p:cxnSp>
+      <p:sp>
+        <p:nvSpPr>
+          <p:cNvPr id="34" name="TextBox 33">
+            <a:extLst>
+              <a:ext uri="{FF2B5EF4-FFF2-40B4-BE49-F238E27FC236}">
+                <a16:creationId xmlns:a16="http://schemas.microsoft.com/office/drawing/2014/main" id="{AF9F21EB-E134-070E-284C-B586B6C9027D}"/>
+              </a:ext>
+            </a:extLst>
+          </p:cNvPr>
+          <p:cNvSpPr txBox="1"/>
+          <p:nvPr/>
+        </p:nvSpPr>
+        <p:spPr>
+          <a:xfrm>
+            <a:off x="5999574" y="1200825"/>
+            <a:ext cx="479618" cy="369332"/>
+          </a:xfrm>
+          <a:prstGeom prst="rect">
+            <a:avLst/>
+          </a:prstGeom>
+          <a:noFill/>
+        </p:spPr>
+        <p:txBody>
+          <a:bodyPr wrap="square" rtlCol="0">
+            <a:spAutoFit/>
+          </a:bodyPr>
+          <a:lstStyle/>
+          <a:p>
+            <a:r>
+              <a:rPr lang="en-US" dirty="0"/>
+              <a:t>*:1</a:t>
             </a:r>
           </a:p>
         </p:txBody>
